--- a/final ppt/06-design-on-the-web.pptx
+++ b/final ppt/06-design-on-the-web.pptx
@@ -330,7 +330,7 @@
           <a:p>
             <a:fld id="{0F9C1CCF-B725-44A7-AA57-5E433BD85C9F}" type="datetimeFigureOut">
               <a:rPr lang="en-US" smtClean="0"/>
-              <a:t>8/30/2021</a:t>
+              <a:t>9/8/2021</a:t>
             </a:fld>
             <a:endParaRPr lang="en-US"/>
           </a:p>
@@ -1030,7 +1030,7 @@
             </a:pPr>
             <a:r>
               <a:rPr/>
-              <a:t>[15 minutes]</a:t>
+              <a:t>[5 minutes]</a:t>
             </a:r>
           </a:p>
           <a:p>
@@ -1043,7 +1043,7 @@
             <a:pPr lvl="1"/>
             <a:r>
               <a:rPr/>
-              <a:t>In this activity, learners will pair up and work together to document their own user journeys with a specific site. The aim is to notice how they’re interacting with the site’s design. Ideally each pair of learners should have a computer to work on.</a:t>
+              <a:t>Let’s consider the goals that a web site (or the company/organization the site represents) have for interactions on their site, vs. goals of the user. Select an actual site as an example. &gt; Tip! Pick a few common sites, like Amazon.com, or Youtube.com, or any sites frequently used in your audience’s community. You can assign the sites, or let learners select.</a:t>
             </a:r>
           </a:p>
           <a:p>
@@ -1056,7 +1056,7 @@
             <a:pPr lvl="1"/>
             <a:r>
               <a:rPr/>
-              <a:t>Facilitator splits group into pairs. Facilitator can select sites for learners to work with, or users can select their own sites.</a:t>
+              <a:t>Ask learners:</a:t>
             </a:r>
           </a:p>
           <a:p>
@@ -1066,10 +1066,36 @@
             <a:endParaRPr/>
           </a:p>
           <a:p>
+            <a:pPr lvl="2"/>
+            <a:r>
+              <a:rPr/>
+              <a:t>What are goals users might have related to the site?</a:t>
+            </a:r>
+          </a:p>
+          <a:p>
+            <a:pPr marL="0" lvl="0" indent="0">
+              <a:buNone/>
+            </a:pPr>
+            <a:endParaRPr/>
+          </a:p>
+          <a:p>
+            <a:pPr lvl="2"/>
+            <a:r>
+              <a:rPr/>
+              <a:t>What are goals the site/company/org might have?</a:t>
+            </a:r>
+          </a:p>
+          <a:p>
+            <a:pPr marL="0" lvl="0" indent="0">
+              <a:buNone/>
+            </a:pPr>
+            <a:endParaRPr/>
+          </a:p>
+          <a:p>
             <a:pPr lvl="1"/>
             <a:r>
               <a:rPr/>
-              <a:t>Ask learners to go to the site with an intention or goal in mind.</a:t>
+              <a:t>Try to list three or more potential goals for each. For example:</a:t>
             </a:r>
           </a:p>
           <a:p>
@@ -1082,7 +1108,7 @@
             <a:pPr lvl="2"/>
             <a:r>
               <a:rPr/>
-              <a:t>For example: I’m going to Amazon to search for books about kittens; I’m going to look for an intro html lesson on YouTube.</a:t>
+              <a:t>Youtube.com might have the goal of encouraging users to watch lots of content. A secondary goal might be for users see click on ads. A third goal might be to encourage users to comment on videos.</a:t>
             </a:r>
           </a:p>
           <a:p>
@@ -1092,10 +1118,23 @@
             <a:endParaRPr/>
           </a:p>
           <a:p>
+            <a:pPr lvl="2"/>
+            <a:r>
+              <a:rPr/>
+              <a:t>A user of Youtube.com might stop by to watch just a single specific video. Or a user may also want to find many videos of about one subject. And a user might want to upload her own content to YouTube.</a:t>
+            </a:r>
+          </a:p>
+          <a:p>
+            <a:pPr marL="0" lvl="0" indent="0">
+              <a:buNone/>
+            </a:pPr>
+            <a:endParaRPr/>
+          </a:p>
+          <a:p>
             <a:pPr lvl="1"/>
             <a:r>
               <a:rPr/>
-              <a:t>One person in the pair is the user who is navigating around the site, and talking out loud/telling the story of what they are doing “ie. I am going to type ‘kittens’ into the search bar” or “I’m going to scroll down and read these comments”</a:t>
+              <a:t>Are the users’ and the site’s goals in conflict? How?</a:t>
             </a:r>
           </a:p>
           <a:p>
@@ -1108,7 +1147,7 @@
             <a:pPr lvl="1"/>
             <a:r>
               <a:rPr/>
-              <a:t>The other member of the pair is listening to/documenting the user journey. The listener should notice and/or take notes about the user’s experience.</a:t>
+              <a:t>What happens when user and site goals are in conflict?</a:t>
             </a:r>
           </a:p>
           <a:p>
@@ -1121,157 +1160,7 @@
             <a:pPr lvl="1"/>
             <a:r>
               <a:rPr/>
-              <a:t>For example, the listener should document:</a:t>
-            </a:r>
-          </a:p>
-          <a:p>
-            <a:pPr marL="0" lvl="0" indent="0">
-              <a:buNone/>
-            </a:pPr>
-            <a:endParaRPr/>
-          </a:p>
-          <a:p>
-            <a:pPr lvl="2"/>
-            <a:r>
-              <a:rPr/>
-              <a:t>What is the user’s plan or goal in using the site?</a:t>
-            </a:r>
-          </a:p>
-          <a:p>
-            <a:pPr marL="0" lvl="0" indent="0">
-              <a:buNone/>
-            </a:pPr>
-            <a:endParaRPr/>
-          </a:p>
-          <a:p>
-            <a:pPr lvl="2"/>
-            <a:r>
-              <a:rPr/>
-              <a:t>What’s the first thing they see on the site? What pops up?</a:t>
-            </a:r>
-          </a:p>
-          <a:p>
-            <a:pPr marL="0" lvl="0" indent="0">
-              <a:buNone/>
-            </a:pPr>
-            <a:endParaRPr/>
-          </a:p>
-          <a:p>
-            <a:pPr lvl="2"/>
-            <a:r>
-              <a:rPr/>
-              <a:t>What do they click on?</a:t>
-            </a:r>
-            <a:r>
-              <a:t/>
-            </a:r>
-            <a:br/>
-            <a:endParaRPr/>
-          </a:p>
-          <a:p>
-            <a:pPr marL="0" lvl="0" indent="0">
-              <a:buNone/>
-            </a:pPr>
-            <a:endParaRPr/>
-          </a:p>
-          <a:p>
-            <a:pPr lvl="2"/>
-            <a:r>
-              <a:rPr/>
-              <a:t>Do they look/watch/listen to content they weren’t looking for (ads, suggested videos or items, etc)</a:t>
-            </a:r>
-          </a:p>
-          <a:p>
-            <a:pPr marL="0" lvl="0" indent="0">
-              <a:buNone/>
-            </a:pPr>
-            <a:endParaRPr/>
-          </a:p>
-          <a:p>
-            <a:pPr lvl="2"/>
-            <a:r>
-              <a:rPr/>
-              <a:t>Why did this happen?</a:t>
-            </a:r>
-          </a:p>
-          <a:p>
-            <a:pPr marL="0" lvl="0" indent="0">
-              <a:buNone/>
-            </a:pPr>
-            <a:endParaRPr/>
-          </a:p>
-          <a:p>
-            <a:pPr lvl="2"/>
-            <a:r>
-              <a:rPr/>
-              <a:t>How does the site feel? cold, friendly, fancy, sleek, etc</a:t>
-            </a:r>
-          </a:p>
-          <a:p>
-            <a:pPr marL="0" lvl="0" indent="0">
-              <a:buNone/>
-            </a:pPr>
-            <a:endParaRPr/>
-          </a:p>
-          <a:p>
-            <a:pPr lvl="2"/>
-            <a:r>
-              <a:rPr/>
-              <a:t>What annoyed them? What was fun?</a:t>
-            </a:r>
-          </a:p>
-          <a:p>
-            <a:pPr marL="0" lvl="0" indent="0">
-              <a:buNone/>
-            </a:pPr>
-            <a:endParaRPr/>
-          </a:p>
-          <a:p>
-            <a:pPr lvl="2"/>
-            <a:r>
-              <a:rPr/>
-              <a:t>Did they stick to their original goal for the session, or did they get sidetracked?</a:t>
-            </a:r>
-          </a:p>
-          <a:p>
-            <a:pPr marL="0" lvl="0" indent="0">
-              <a:buNone/>
-            </a:pPr>
-            <a:endParaRPr/>
-          </a:p>
-          <a:p>
-            <a:pPr lvl="2"/>
-            <a:r>
-              <a:rPr/>
-              <a:t>What did they spend the most time doing on the site?</a:t>
-            </a:r>
-          </a:p>
-          <a:p>
-            <a:pPr marL="0" lvl="0" indent="0">
-              <a:buNone/>
-            </a:pPr>
-            <a:endParaRPr/>
-          </a:p>
-          <a:p>
-            <a:pPr lvl="1"/>
-            <a:r>
-              <a:rPr/>
-              <a:t>Each learner should take about 5-7 minutes browsing a site as a user, and 5-7 minutes documenting their partner’s experience as the listener/note taker.</a:t>
-            </a:r>
-          </a:p>
-          <a:p>
-            <a:pPr marL="0" lvl="0" indent="0">
-              <a:buNone/>
-            </a:pPr>
-            <a:endParaRPr/>
-          </a:p>
-          <a:p>
-            <a:pPr marL="1270000" lvl="0" indent="0">
-              <a:buNone/>
-            </a:pPr>
-            <a:r>
-              <a:rPr sz="2000"/>
-              <a:t>Tip! Offline version of above activity: Facilitators could print out a web page for learners to mark up. Both an internal page and the site’s home page could be provided (in order to investigate whether the internal page effectively helps a user navigate the rest of the site). As a follow-on, learners could use a blank sheet of paper to create a prototype of a web page that effectively addresses any issues they see in the handouts provided.</a:t>
+              <a:t>Explain to learners that by documenting their experience with sites, they can see how the design of the site works to meet sites’ goals and user’s goals… or not!</a:t>
             </a:r>
           </a:p>
         </p:txBody>
@@ -1293,7 +1182,7 @@
           <a:p>
             <a:fld id="{18BDFEC3-8487-43E8-A154-7C12CBC1FFF2}" type="slidenum">
               <a:rPr lang="en-US"/>
-              <a:t>14</a:t>
+              <a:t>13</a:t>
             </a:fld>
             <a:endParaRPr lang="en-US"/>
           </a:p>
@@ -1360,20 +1249,383 @@
               <a:buNone/>
             </a:pPr>
             <a:r>
-              <a:rPr/>
-              <a:t>[5 mins]</a:t>
-            </a:r>
-          </a:p>
-          <a:p>
-            <a:pPr marL="0" lvl="0" indent="0">
-              <a:buNone/>
-            </a:pPr>
-            <a:endParaRPr/>
+              <a:rPr dirty="0"/>
+              <a:t>[15 minutes]</a:t>
+            </a:r>
+          </a:p>
+          <a:p>
+            <a:pPr marL="0" lvl="0" indent="0">
+              <a:buNone/>
+            </a:pPr>
+            <a:endParaRPr dirty="0"/>
           </a:p>
           <a:p>
             <a:pPr lvl="1"/>
             <a:r>
-              <a:rPr/>
+              <a:rPr dirty="0"/>
+              <a:t>In this activity, learners will pair up and work together to document their own user journeys with a specific site. The aim is to notice how they’re interacting with the site’s design. Ideally each pair of learners should have a computer to work on.</a:t>
+            </a:r>
+          </a:p>
+          <a:p>
+            <a:pPr marL="0" lvl="0" indent="0">
+              <a:buNone/>
+            </a:pPr>
+            <a:endParaRPr dirty="0"/>
+          </a:p>
+          <a:p>
+            <a:pPr lvl="1"/>
+            <a:r>
+              <a:rPr dirty="0"/>
+              <a:t>Facilitator splits group into pairs. Facilitator can select sites for learners to work with, or users can select their own sites.</a:t>
+            </a:r>
+          </a:p>
+          <a:p>
+            <a:pPr marL="0" lvl="0" indent="0">
+              <a:buNone/>
+            </a:pPr>
+            <a:endParaRPr dirty="0"/>
+          </a:p>
+          <a:p>
+            <a:pPr lvl="1"/>
+            <a:r>
+              <a:rPr dirty="0"/>
+              <a:t>Ask learners to go to the site with an intention or goal in mind.</a:t>
+            </a:r>
+          </a:p>
+          <a:p>
+            <a:pPr marL="0" lvl="0" indent="0">
+              <a:buNone/>
+            </a:pPr>
+            <a:endParaRPr dirty="0"/>
+          </a:p>
+          <a:p>
+            <a:pPr lvl="2"/>
+            <a:r>
+              <a:rPr dirty="0"/>
+              <a:t>For example: I’m going to Amazon to search for books about kittens; I’m going to look for an intro html lesson on YouTube.</a:t>
+            </a:r>
+          </a:p>
+          <a:p>
+            <a:pPr marL="0" lvl="0" indent="0">
+              <a:buNone/>
+            </a:pPr>
+            <a:endParaRPr dirty="0"/>
+          </a:p>
+          <a:p>
+            <a:pPr lvl="1"/>
+            <a:r>
+              <a:rPr dirty="0"/>
+              <a:t>One person in the pair is the user who is navigating around the site, and talking out loud/telling the story of what they are doing “</a:t>
+            </a:r>
+            <a:r>
+              <a:rPr dirty="0" err="1"/>
+              <a:t>ie</a:t>
+            </a:r>
+            <a:r>
+              <a:rPr dirty="0"/>
+              <a:t>. I am going to type ‘kittens’ into the search bar” or “I’m going to scroll down and read these comments”</a:t>
+            </a:r>
+          </a:p>
+          <a:p>
+            <a:pPr marL="0" lvl="0" indent="0">
+              <a:buNone/>
+            </a:pPr>
+            <a:endParaRPr dirty="0"/>
+          </a:p>
+          <a:p>
+            <a:pPr lvl="1"/>
+            <a:r>
+              <a:rPr dirty="0"/>
+              <a:t>The other member of the pair is listening to/documenting the user journey. The listener should notice and/or take notes about the user’s experience.</a:t>
+            </a:r>
+          </a:p>
+          <a:p>
+            <a:pPr marL="0" lvl="0" indent="0">
+              <a:buNone/>
+            </a:pPr>
+            <a:endParaRPr dirty="0"/>
+          </a:p>
+          <a:p>
+            <a:pPr lvl="1"/>
+            <a:r>
+              <a:rPr dirty="0"/>
+              <a:t>For example, the listener should document:</a:t>
+            </a:r>
+          </a:p>
+          <a:p>
+            <a:pPr marL="0" lvl="0" indent="0">
+              <a:buNone/>
+            </a:pPr>
+            <a:endParaRPr dirty="0"/>
+          </a:p>
+          <a:p>
+            <a:pPr lvl="2"/>
+            <a:r>
+              <a:rPr dirty="0"/>
+              <a:t>What is the user’s plan or goal in using the site?</a:t>
+            </a:r>
+          </a:p>
+          <a:p>
+            <a:pPr marL="0" lvl="0" indent="0">
+              <a:buNone/>
+            </a:pPr>
+            <a:endParaRPr dirty="0"/>
+          </a:p>
+          <a:p>
+            <a:pPr lvl="2"/>
+            <a:r>
+              <a:rPr dirty="0"/>
+              <a:t>What’s the first thing they see on the site? What pops up?</a:t>
+            </a:r>
+          </a:p>
+          <a:p>
+            <a:pPr marL="0" lvl="0" indent="0">
+              <a:buNone/>
+            </a:pPr>
+            <a:endParaRPr dirty="0"/>
+          </a:p>
+          <a:p>
+            <a:pPr lvl="2"/>
+            <a:r>
+              <a:rPr dirty="0"/>
+              <a:t>What do they click on?</a:t>
+            </a:r>
+            <a:r>
+              <a:rPr dirty="0"/>
+              <a:t/>
+            </a:r>
+            <a:br>
+              <a:rPr dirty="0"/>
+            </a:br>
+            <a:endParaRPr dirty="0"/>
+          </a:p>
+          <a:p>
+            <a:pPr marL="0" lvl="0" indent="0">
+              <a:buNone/>
+            </a:pPr>
+            <a:endParaRPr dirty="0"/>
+          </a:p>
+          <a:p>
+            <a:pPr lvl="2"/>
+            <a:r>
+              <a:rPr dirty="0"/>
+              <a:t>Do they look/watch/listen to content they weren’t looking for (ads, suggested videos or items, </a:t>
+            </a:r>
+            <a:r>
+              <a:rPr dirty="0" err="1"/>
+              <a:t>etc</a:t>
+            </a:r>
+            <a:r>
+              <a:rPr dirty="0"/>
+              <a:t>)</a:t>
+            </a:r>
+          </a:p>
+          <a:p>
+            <a:pPr marL="0" lvl="0" indent="0">
+              <a:buNone/>
+            </a:pPr>
+            <a:endParaRPr dirty="0"/>
+          </a:p>
+          <a:p>
+            <a:pPr lvl="2"/>
+            <a:r>
+              <a:rPr dirty="0"/>
+              <a:t>Why did this happen?</a:t>
+            </a:r>
+          </a:p>
+          <a:p>
+            <a:pPr marL="0" lvl="0" indent="0">
+              <a:buNone/>
+            </a:pPr>
+            <a:endParaRPr dirty="0"/>
+          </a:p>
+          <a:p>
+            <a:pPr lvl="2"/>
+            <a:r>
+              <a:rPr dirty="0"/>
+              <a:t>How does the site feel? cold, friendly, fancy, sleek, </a:t>
+            </a:r>
+            <a:r>
+              <a:rPr dirty="0" err="1"/>
+              <a:t>etc</a:t>
+            </a:r>
+            <a:endParaRPr dirty="0"/>
+          </a:p>
+          <a:p>
+            <a:pPr marL="0" lvl="0" indent="0">
+              <a:buNone/>
+            </a:pPr>
+            <a:endParaRPr dirty="0"/>
+          </a:p>
+          <a:p>
+            <a:pPr lvl="2"/>
+            <a:r>
+              <a:rPr dirty="0"/>
+              <a:t>What annoyed them? What was fun?</a:t>
+            </a:r>
+          </a:p>
+          <a:p>
+            <a:pPr marL="0" lvl="0" indent="0">
+              <a:buNone/>
+            </a:pPr>
+            <a:endParaRPr dirty="0"/>
+          </a:p>
+          <a:p>
+            <a:pPr lvl="2"/>
+            <a:r>
+              <a:rPr dirty="0"/>
+              <a:t>Did they stick to their original goal for the session, or did they get sidetracked?</a:t>
+            </a:r>
+          </a:p>
+          <a:p>
+            <a:pPr marL="0" lvl="0" indent="0">
+              <a:buNone/>
+            </a:pPr>
+            <a:endParaRPr dirty="0"/>
+          </a:p>
+          <a:p>
+            <a:pPr lvl="2"/>
+            <a:r>
+              <a:rPr dirty="0"/>
+              <a:t>What did they spend the most time doing on the site?</a:t>
+            </a:r>
+          </a:p>
+          <a:p>
+            <a:pPr marL="0" lvl="0" indent="0">
+              <a:buNone/>
+            </a:pPr>
+            <a:endParaRPr dirty="0"/>
+          </a:p>
+          <a:p>
+            <a:pPr lvl="1"/>
+            <a:r>
+              <a:rPr dirty="0"/>
+              <a:t>Each learner should take about 5-7 minutes browsing a site as a user, and 5-7 minutes documenting their partner’s experience as the listener/note taker.</a:t>
+            </a:r>
+          </a:p>
+          <a:p>
+            <a:pPr marL="0" lvl="0" indent="0">
+              <a:buNone/>
+            </a:pPr>
+            <a:endParaRPr dirty="0"/>
+          </a:p>
+          <a:p>
+            <a:pPr marL="1270000" lvl="0" indent="0">
+              <a:buNone/>
+            </a:pPr>
+            <a:r>
+              <a:rPr sz="2000" dirty="0"/>
+              <a:t>Tip! Offline version of above activity: Facilitators could print out a web page for learners to mark up. Both an internal page and the site’s home page could be provided (in order to investigate whether the internal page effectively helps a user navigate the rest of the site). As a follow-on, learners could use a blank sheet of paper to create a prototype of a web page that effectively addresses any issues they see in the handouts provided.</a:t>
+            </a:r>
+          </a:p>
+        </p:txBody>
+      </p:sp>
+      <p:sp>
+        <p:nvSpPr>
+          <p:cNvPr id="4" name="Slide Number Placeholder 3"/>
+          <p:cNvSpPr>
+            <a:spLocks noGrp="1"/>
+          </p:cNvSpPr>
+          <p:nvPr>
+            <p:ph type="sldNum" sz="quarter" idx="10"/>
+          </p:nvPr>
+        </p:nvSpPr>
+        <p:spPr/>
+        <p:txBody>
+          <a:bodyPr/>
+          <a:lstStyle/>
+          <a:p>
+            <a:fld id="{18BDFEC3-8487-43E8-A154-7C12CBC1FFF2}" type="slidenum">
+              <a:rPr lang="en-US"/>
+              <a:t>14</a:t>
+            </a:fld>
+            <a:endParaRPr lang="en-US"/>
+          </a:p>
+        </p:txBody>
+      </p:sp>
+    </p:spTree>
+  </p:cSld>
+  <p:clrMapOvr>
+    <a:masterClrMapping/>
+  </p:clrMapOvr>
+</p:notes>
+</file>
+
+<file path=ppt/notesSlides/notesSlide12.xml><?xml version="1.0" encoding="utf-8"?>
+<p:notes xmlns:a="http://schemas.openxmlformats.org/drawingml/2006/main" xmlns:r="http://schemas.openxmlformats.org/officeDocument/2006/relationships" xmlns:p="http://schemas.openxmlformats.org/presentationml/2006/main">
+  <p:cSld>
+    <p:spTree>
+      <p:nvGrpSpPr>
+        <p:cNvPr id="1" name=""/>
+        <p:cNvGrpSpPr/>
+        <p:nvPr/>
+      </p:nvGrpSpPr>
+      <p:grpSpPr>
+        <a:xfrm>
+          <a:off x="0" y="0"/>
+          <a:ext cx="0" cy="0"/>
+          <a:chOff x="0" y="0"/>
+          <a:chExt cx="0" cy="0"/>
+        </a:xfrm>
+      </p:grpSpPr>
+      <p:sp>
+        <p:nvSpPr>
+          <p:cNvPr id="2" name="Slide Image Placeholder 1"/>
+          <p:cNvSpPr>
+            <a:spLocks noGrp="1" noRot="1" noChangeAspect="1"/>
+          </p:cNvSpPr>
+          <p:nvPr>
+            <p:ph type="sldImg"/>
+          </p:nvPr>
+        </p:nvSpPr>
+        <p:spPr>
+          <a:xfrm>
+            <a:off x="685800" y="1143000"/>
+            <a:ext cx="5486400" cy="3086100"/>
+          </a:xfrm>
+        </p:spPr>
+      </p:sp>
+      <p:sp>
+        <p:nvSpPr>
+          <p:cNvPr id="3" name="Notes Placeholder 2"/>
+          <p:cNvSpPr>
+            <a:spLocks noGrp="1"/>
+          </p:cNvSpPr>
+          <p:nvPr>
+            <p:ph type="body" idx="1"/>
+          </p:nvPr>
+        </p:nvSpPr>
+        <p:spPr/>
+        <p:txBody>
+          <a:bodyPr/>
+          <a:lstStyle/>
+          <a:p>
+            <a:pPr marL="0" lvl="0" indent="0">
+              <a:buNone/>
+            </a:pPr>
+            <a:r>
+              <a:rPr dirty="0"/>
+              <a:t>[5 </a:t>
+            </a:r>
+            <a:r>
+              <a:rPr dirty="0" err="1"/>
+              <a:t>mins</a:t>
+            </a:r>
+            <a:r>
+              <a:rPr dirty="0"/>
+              <a:t>]</a:t>
+            </a:r>
+          </a:p>
+          <a:p>
+            <a:pPr marL="0" lvl="0" indent="0">
+              <a:buNone/>
+            </a:pPr>
+            <a:endParaRPr dirty="0"/>
+          </a:p>
+          <a:p>
+            <a:pPr lvl="1"/>
+            <a:r>
+              <a:rPr dirty="0"/>
               <a:t>Facilitator leads a short discussion/reflection session about user journeys.</a:t>
             </a:r>
           </a:p>
@@ -1381,25 +1633,46 @@
             <a:pPr marL="0" lvl="0" indent="0">
               <a:buNone/>
             </a:pPr>
-            <a:endParaRPr/>
+            <a:endParaRPr dirty="0"/>
           </a:p>
           <a:p>
             <a:pPr lvl="1"/>
             <a:r>
-              <a:rPr/>
-              <a:t>Facilitator explains that user journeys are a tool that designers use when they test out sites and applications– they might get users to try using the site and document what they do at each step of the process, to help refine the design.</a:t>
-            </a:r>
-          </a:p>
-          <a:p>
-            <a:pPr marL="0" lvl="0" indent="0">
-              <a:buNone/>
-            </a:pPr>
-            <a:endParaRPr/>
+              <a:rPr dirty="0"/>
+              <a:t>Facilitator explains that user journeys are a tool that designers use when they test out sites and applications– they might get users to try using the site and document what they do at each step of the process, to help refine the design</a:t>
+            </a:r>
+            <a:r>
+              <a:rPr dirty="0" smtClean="0"/>
+              <a:t>.</a:t>
+            </a:r>
+            <a:endParaRPr lang="en-GB" dirty="0" smtClean="0"/>
           </a:p>
           <a:p>
             <a:pPr lvl="1"/>
-            <a:r>
-              <a:rPr/>
+            <a:endParaRPr lang="en-GB" dirty="0" smtClean="0"/>
+          </a:p>
+          <a:p>
+            <a:pPr lvl="1"/>
+            <a:r>
+              <a:rPr lang="en-GB" dirty="0" smtClean="0"/>
+              <a:t>And user</a:t>
+            </a:r>
+            <a:r>
+              <a:rPr lang="en-GB" baseline="0" dirty="0" smtClean="0"/>
+              <a:t> Journeys are often used by designers to understand how a user might want to achieve a task on the site so they can make that possible.</a:t>
+            </a:r>
+            <a:endParaRPr dirty="0"/>
+          </a:p>
+          <a:p>
+            <a:pPr marL="0" lvl="0" indent="0">
+              <a:buNone/>
+            </a:pPr>
+            <a:endParaRPr dirty="0"/>
+          </a:p>
+          <a:p>
+            <a:pPr lvl="1"/>
+            <a:r>
+              <a:rPr dirty="0"/>
               <a:t>Did you notice any tension between the things you wanted to do or get from your experience on the site, and what the site design was suggesting you do?</a:t>
             </a:r>
           </a:p>
@@ -1407,12 +1680,12 @@
             <a:pPr marL="0" lvl="0" indent="0">
               <a:buNone/>
             </a:pPr>
-            <a:endParaRPr/>
+            <a:endParaRPr dirty="0"/>
           </a:p>
           <a:p>
             <a:pPr lvl="1"/>
             <a:r>
-              <a:rPr/>
+              <a:rPr dirty="0"/>
               <a:t>How did this make you feel?</a:t>
             </a:r>
           </a:p>
@@ -1420,12 +1693,12 @@
             <a:pPr marL="0" lvl="0" indent="0">
               <a:buNone/>
             </a:pPr>
-            <a:endParaRPr/>
+            <a:endParaRPr dirty="0"/>
           </a:p>
           <a:p>
             <a:pPr lvl="1"/>
             <a:r>
-              <a:rPr/>
+              <a:rPr dirty="0"/>
               <a:t>Do you think you will notice or do anything differently when you’re browsing in the future?</a:t>
             </a:r>
           </a:p>
@@ -1433,7 +1706,7 @@
             <a:pPr marL="0" lvl="0" indent="0">
               <a:buNone/>
             </a:pPr>
-            <a:endParaRPr/>
+            <a:endParaRPr dirty="0"/>
           </a:p>
           <a:p>
             <a:pPr marL="0" lvl="0" indent="0">
@@ -1443,7 +1716,7 @@
               <a:buNone/>
             </a:pPr>
             <a:r>
-              <a:rPr b="1"/>
+              <a:rPr b="1" dirty="0"/>
               <a:t>Learning Experience Reflection</a:t>
             </a:r>
           </a:p>
@@ -1451,27 +1724,35 @@
             <a:pPr marL="0" lvl="0" indent="0">
               <a:buNone/>
             </a:pPr>
-            <a:endParaRPr b="1"/>
-          </a:p>
-          <a:p>
-            <a:pPr marL="0" lvl="0" indent="0">
-              <a:buNone/>
-            </a:pPr>
-            <a:r>
-              <a:rPr/>
-              <a:t>[5 mins]</a:t>
-            </a:r>
-          </a:p>
-          <a:p>
-            <a:pPr marL="0" lvl="0" indent="0">
-              <a:buNone/>
-            </a:pPr>
-            <a:endParaRPr/>
+            <a:endParaRPr b="1" dirty="0"/>
+          </a:p>
+          <a:p>
+            <a:pPr marL="0" lvl="0" indent="0">
+              <a:buNone/>
+            </a:pPr>
+            <a:r>
+              <a:rPr dirty="0"/>
+              <a:t>[5 </a:t>
+            </a:r>
+            <a:r>
+              <a:rPr dirty="0" err="1"/>
+              <a:t>mins</a:t>
+            </a:r>
+            <a:r>
+              <a:rPr dirty="0"/>
+              <a:t>]</a:t>
+            </a:r>
+          </a:p>
+          <a:p>
+            <a:pPr marL="0" lvl="0" indent="0">
+              <a:buNone/>
+            </a:pPr>
+            <a:endParaRPr dirty="0"/>
           </a:p>
           <a:p>
             <a:pPr lvl="1"/>
             <a:r>
-              <a:rPr/>
+              <a:rPr dirty="0"/>
               <a:t>What did you like about this activity?</a:t>
             </a:r>
           </a:p>
@@ -1479,12 +1760,12 @@
             <a:pPr marL="0" lvl="0" indent="0">
               <a:buNone/>
             </a:pPr>
-            <a:endParaRPr/>
+            <a:endParaRPr dirty="0"/>
           </a:p>
           <a:p>
             <a:pPr lvl="1"/>
             <a:r>
-              <a:rPr/>
+              <a:rPr dirty="0"/>
               <a:t>If you might teach this activity to a particular audience, what might you change about the process, structure, or content to better meet the needs of that audience?</a:t>
             </a:r>
           </a:p>
@@ -1492,7 +1773,7 @@
             <a:pPr marL="0" lvl="0" indent="0">
               <a:buNone/>
             </a:pPr>
-            <a:endParaRPr/>
+            <a:endParaRPr dirty="0"/>
           </a:p>
           <a:p>
             <a:pPr marL="0" lvl="0" indent="0">
@@ -1502,7 +1783,7 @@
               <a:buNone/>
             </a:pPr>
             <a:r>
-              <a:rPr b="1"/>
+              <a:rPr b="1" dirty="0"/>
               <a:t>Feedback on Core Curriculum</a:t>
             </a:r>
           </a:p>
@@ -1510,12 +1791,12 @@
             <a:pPr marL="0" lvl="0" indent="0">
               <a:buNone/>
             </a:pPr>
-            <a:endParaRPr b="1"/>
+            <a:endParaRPr b="1" dirty="0"/>
           </a:p>
           <a:p>
             <a:pPr lvl="1"/>
             <a:r>
-              <a:rPr/>
+              <a:rPr dirty="0"/>
               <a:t>Tell us how and where you’re using the curriculum and what you’ve learned and what you might change.</a:t>
             </a:r>
           </a:p>
@@ -2340,12 +2621,7 @@
             <p:ph type="sldImg"/>
           </p:nvPr>
         </p:nvSpPr>
-        <p:spPr>
-          <a:xfrm>
-            <a:off x="685800" y="1143000"/>
-            <a:ext cx="5486400" cy="3086100"/>
-          </a:xfrm>
-        </p:spPr>
+        <p:spPr/>
       </p:sp>
       <p:sp>
         <p:nvSpPr>
@@ -2362,167 +2638,43 @@
           <a:bodyPr/>
           <a:lstStyle/>
           <a:p>
+            <a:pPr lvl="0"/>
+            <a:r>
+              <a:rPr lang="en-GB" dirty="0" smtClean="0"/>
+              <a:t>In the Google example:</a:t>
+            </a:r>
+          </a:p>
+          <a:p>
             <a:pPr lvl="1"/>
             <a:r>
-              <a:rPr/>
-              <a:t>Let learners look and discuss. Here are some of the the things that they or the facilitator might mention:</a:t>
-            </a:r>
-          </a:p>
-          <a:p>
-            <a:pPr marL="0" lvl="0" indent="0">
-              <a:buNone/>
-            </a:pPr>
-            <a:endParaRPr/>
-          </a:p>
-          <a:p>
-            <a:pPr lvl="2"/>
-            <a:r>
-              <a:rPr/>
-              <a:t>In the Google example:</a:t>
-            </a:r>
-          </a:p>
-          <a:p>
-            <a:pPr marL="0" lvl="0" indent="0">
-              <a:buNone/>
-            </a:pPr>
-            <a:endParaRPr/>
-          </a:p>
-          <a:p>
-            <a:pPr lvl="3"/>
-            <a:r>
-              <a:rPr/>
+              <a:rPr lang="en-GB" dirty="0" smtClean="0"/>
               <a:t>The focus is the search bar- it’s almost the only thing on the page.</a:t>
             </a:r>
           </a:p>
           <a:p>
-            <a:pPr marL="0" lvl="0" indent="0">
-              <a:buNone/>
-            </a:pPr>
-            <a:endParaRPr/>
-          </a:p>
-          <a:p>
-            <a:pPr lvl="3"/>
-            <a:r>
-              <a:rPr/>
-              <a:t>The colorful Google logo pops out against the white background.</a:t>
-            </a:r>
-          </a:p>
-          <a:p>
-            <a:pPr marL="0" lvl="0" indent="0">
-              <a:buNone/>
-            </a:pPr>
-            <a:endParaRPr/>
-          </a:p>
-          <a:p>
-            <a:pPr lvl="3"/>
-            <a:r>
-              <a:rPr/>
+            <a:pPr lvl="1"/>
+            <a:r>
+              <a:rPr lang="en-GB" dirty="0" smtClean="0"/>
+              <a:t>The </a:t>
+            </a:r>
+            <a:r>
+              <a:rPr lang="en-GB" dirty="0" err="1" smtClean="0"/>
+              <a:t>colorful</a:t>
+            </a:r>
+            <a:r>
+              <a:rPr lang="en-GB" dirty="0" smtClean="0"/>
+              <a:t> Google logo pops out against the white background.</a:t>
+            </a:r>
+          </a:p>
+          <a:p>
+            <a:pPr lvl="1"/>
+            <a:r>
+              <a:rPr lang="en-GB" dirty="0" smtClean="0"/>
               <a:t>Lots of white space on the page helps us focus.</a:t>
             </a:r>
           </a:p>
           <a:p>
-            <a:pPr marL="0" lvl="0" indent="0">
-              <a:buNone/>
-            </a:pPr>
-            <a:endParaRPr/>
-          </a:p>
-          <a:p>
-            <a:pPr lvl="2"/>
-            <a:r>
-              <a:rPr/>
-              <a:t>In Amazon example:</a:t>
-            </a:r>
-          </a:p>
-          <a:p>
-            <a:pPr marL="0" lvl="0" indent="0">
-              <a:buNone/>
-            </a:pPr>
-            <a:endParaRPr/>
-          </a:p>
-          <a:p>
-            <a:pPr lvl="3"/>
-            <a:r>
-              <a:rPr/>
-              <a:t>So many things to see and click on –</a:t>
-            </a:r>
-          </a:p>
-          <a:p>
-            <a:pPr marL="0" lvl="0" indent="0">
-              <a:buNone/>
-            </a:pPr>
-            <a:endParaRPr/>
-          </a:p>
-          <a:p>
-            <a:pPr lvl="3"/>
-            <a:r>
-              <a:rPr/>
-              <a:t>Some things are larger– the Echo Dot ad gets lots of space, so it’s likely important.</a:t>
-            </a:r>
-          </a:p>
-          <a:p>
-            <a:pPr marL="0" lvl="0" indent="0">
-              <a:buNone/>
-            </a:pPr>
-            <a:endParaRPr/>
-          </a:p>
-          <a:p>
-            <a:pPr lvl="3"/>
-            <a:r>
-              <a:rPr/>
-              <a:t>The pop-up LOG IN button is floating on top of the rest of the design, calling attention to itself.</a:t>
-            </a:r>
-          </a:p>
-          <a:p>
-            <a:pPr marL="0" lvl="0" indent="0">
-              <a:buNone/>
-            </a:pPr>
-            <a:endParaRPr/>
-          </a:p>
-          <a:p>
-            <a:pPr lvl="3"/>
-            <a:r>
-              <a:rPr/>
-              <a:t>The “Explore” button also visually pops out.</a:t>
-            </a:r>
-          </a:p>
-          <a:p>
-            <a:pPr marL="0" lvl="0" indent="0">
-              <a:buNone/>
-            </a:pPr>
-            <a:endParaRPr/>
-          </a:p>
-          <a:p>
-            <a:pPr lvl="3"/>
-            <a:r>
-              <a:rPr/>
-              <a:t>The search bar is prominent and easy to find– see the yellow magnifying glass.</a:t>
-            </a:r>
-          </a:p>
-          <a:p>
-            <a:pPr marL="0" lvl="0" indent="0">
-              <a:buNone/>
-            </a:pPr>
-            <a:endParaRPr/>
-          </a:p>
-          <a:p>
-            <a:pPr lvl="3"/>
-            <a:r>
-              <a:rPr/>
-              <a:t>The repeating circles give users the sense that they can choose among many groupings of products to buy.</a:t>
-            </a:r>
-          </a:p>
-          <a:p>
-            <a:pPr marL="0" lvl="0" indent="0">
-              <a:buNone/>
-            </a:pPr>
-            <a:endParaRPr/>
-          </a:p>
-          <a:p>
-            <a:pPr lvl="3"/>
-            <a:r>
-              <a:rPr/>
-              <a:t>The little product images up top are playful and fun, they’re evenly sized, you get the sense that there’s lots of them.</a:t>
-            </a:r>
+            <a:endParaRPr lang="en-GB" dirty="0"/>
           </a:p>
         </p:txBody>
       </p:sp>
@@ -2542,14 +2694,19 @@
           <a:lstStyle/>
           <a:p>
             <a:fld id="{18BDFEC3-8487-43E8-A154-7C12CBC1FFF2}" type="slidenum">
-              <a:rPr lang="en-US"/>
-              <a:t>9</a:t>
+              <a:rPr lang="en-US" smtClean="0"/>
+              <a:t>8</a:t>
             </a:fld>
             <a:endParaRPr lang="en-US"/>
           </a:p>
         </p:txBody>
       </p:sp>
     </p:spTree>
+    <p:extLst>
+      <p:ext uri="{BB962C8B-B14F-4D97-AF65-F5344CB8AC3E}">
+        <p14:creationId xmlns:p14="http://schemas.microsoft.com/office/powerpoint/2010/main" val="959176313"/>
+      </p:ext>
+    </p:extLst>
   </p:cSld>
   <p:clrMapOvr>
     <a:masterClrMapping/>
@@ -2606,64 +2763,121 @@
           <a:bodyPr/>
           <a:lstStyle/>
           <a:p>
-            <a:pPr marL="0" lvl="0" indent="0">
-              <a:buNone/>
-            </a:pPr>
-            <a:r>
-              <a:rPr/>
-              <a:t>[5 mins]</a:t>
-            </a:r>
-          </a:p>
-          <a:p>
-            <a:pPr marL="0" lvl="0" indent="0">
-              <a:buNone/>
-            </a:pPr>
-            <a:endParaRPr/>
-          </a:p>
-          <a:p>
             <a:pPr lvl="1"/>
             <a:r>
-              <a:rPr/>
-              <a:t>Ask users: what elements make a website interactive?</a:t>
-            </a:r>
-          </a:p>
-          <a:p>
-            <a:pPr marL="0" lvl="0" indent="0">
-              <a:buNone/>
-            </a:pPr>
-            <a:endParaRPr/>
-          </a:p>
-          <a:p>
-            <a:pPr lvl="1"/>
-            <a:r>
-              <a:rPr/>
-              <a:t>Examples might include: Links, forms, search bars, “like” buttons, buy now buttons, comment boxes, status update boxes, lists of items to scroll through, mouse-overs for pop-ups</a:t>
-            </a:r>
-          </a:p>
-          <a:p>
-            <a:pPr marL="0" lvl="0" indent="0">
-              <a:buNone/>
-            </a:pPr>
-            <a:endParaRPr/>
-          </a:p>
-          <a:p>
-            <a:pPr lvl="1"/>
-            <a:r>
-              <a:rPr/>
-              <a:t>Look at some examples with learners, and discuss what they see. Ask learners: how do visual design elements (like size, color, shape, placement) work with interaction elements?</a:t>
-            </a:r>
-          </a:p>
-          <a:p>
-            <a:pPr marL="0" lvl="0" indent="0">
-              <a:buNone/>
-            </a:pPr>
-            <a:endParaRPr/>
-          </a:p>
-          <a:p>
-            <a:pPr lvl="1"/>
-            <a:r>
-              <a:rPr/>
-              <a:t>Learners might notice that designers use color, size and placement to draw attention to buttons they want users to push, or a search bar, etc</a:t>
+              <a:rPr dirty="0"/>
+              <a:t>Let learners look and discuss. Here are some of the </a:t>
+            </a:r>
+            <a:r>
+              <a:rPr dirty="0" smtClean="0"/>
+              <a:t>things </a:t>
+            </a:r>
+            <a:r>
+              <a:rPr dirty="0"/>
+              <a:t>that they or the facilitator might mention:</a:t>
+            </a:r>
+          </a:p>
+          <a:p>
+            <a:pPr marL="0" lvl="0" indent="0">
+              <a:buNone/>
+            </a:pPr>
+            <a:endParaRPr dirty="0"/>
+          </a:p>
+          <a:p>
+            <a:pPr marL="0" lvl="0" indent="0">
+              <a:buNone/>
+            </a:pPr>
+            <a:endParaRPr dirty="0"/>
+          </a:p>
+          <a:p>
+            <a:pPr lvl="2"/>
+            <a:r>
+              <a:rPr dirty="0"/>
+              <a:t>In Amazon example</a:t>
+            </a:r>
+            <a:r>
+              <a:rPr dirty="0" smtClean="0"/>
+              <a:t>:</a:t>
+            </a:r>
+            <a:endParaRPr dirty="0"/>
+          </a:p>
+          <a:p>
+            <a:pPr lvl="3"/>
+            <a:r>
+              <a:rPr dirty="0"/>
+              <a:t>So many things to see and click on </a:t>
+            </a:r>
+            <a:r>
+              <a:rPr dirty="0" smtClean="0"/>
+              <a:t>–</a:t>
+            </a:r>
+            <a:endParaRPr dirty="0"/>
+          </a:p>
+          <a:p>
+            <a:pPr lvl="3"/>
+            <a:r>
+              <a:rPr dirty="0"/>
+              <a:t>Some things are larger– the Echo Dot ad gets lots of space, so it’s likely important</a:t>
+            </a:r>
+            <a:r>
+              <a:rPr dirty="0" smtClean="0"/>
+              <a:t>.</a:t>
+            </a:r>
+            <a:endParaRPr dirty="0"/>
+          </a:p>
+          <a:p>
+            <a:pPr lvl="3"/>
+            <a:r>
+              <a:rPr dirty="0"/>
+              <a:t>The pop-up LOG IN button is floating on top of the rest of the design, calling attention to itself</a:t>
+            </a:r>
+            <a:r>
+              <a:rPr dirty="0" smtClean="0"/>
+              <a:t>.</a:t>
+            </a:r>
+            <a:endParaRPr dirty="0"/>
+          </a:p>
+          <a:p>
+            <a:pPr lvl="3"/>
+            <a:r>
+              <a:rPr dirty="0"/>
+              <a:t>The “Explore” button also visually pops out</a:t>
+            </a:r>
+            <a:r>
+              <a:rPr dirty="0" smtClean="0"/>
+              <a:t>.</a:t>
+            </a:r>
+            <a:endParaRPr dirty="0"/>
+          </a:p>
+          <a:p>
+            <a:pPr lvl="3"/>
+            <a:r>
+              <a:rPr dirty="0"/>
+              <a:t>The search bar is prominent and easy to find– see the yellow magnifying glass</a:t>
+            </a:r>
+            <a:r>
+              <a:rPr dirty="0" smtClean="0"/>
+              <a:t>.</a:t>
+            </a:r>
+            <a:endParaRPr dirty="0"/>
+          </a:p>
+          <a:p>
+            <a:pPr lvl="3"/>
+            <a:r>
+              <a:rPr dirty="0"/>
+              <a:t>The repeating circles give users the sense that they can choose among many groupings of products to buy</a:t>
+            </a:r>
+            <a:r>
+              <a:rPr dirty="0" smtClean="0"/>
+              <a:t>.</a:t>
+            </a:r>
+            <a:endParaRPr dirty="0"/>
+          </a:p>
+          <a:p>
+            <a:pPr lvl="3"/>
+            <a:r>
+              <a:rPr dirty="0"/>
+              <a:t>The little product images up top are playful and fun, they’re evenly sized, you get the sense that there’s lots of them.</a:t>
             </a:r>
           </a:p>
         </p:txBody>
@@ -2685,7 +2899,7 @@
           <a:p>
             <a:fld id="{18BDFEC3-8487-43E8-A154-7C12CBC1FFF2}" type="slidenum">
               <a:rPr lang="en-US"/>
-              <a:t>10</a:t>
+              <a:t>9</a:t>
             </a:fld>
             <a:endParaRPr lang="en-US"/>
           </a:p>
@@ -2748,39 +2962,78 @@
           <a:bodyPr/>
           <a:lstStyle/>
           <a:p>
-            <a:pPr marL="1270000" lvl="0" indent="0">
-              <a:buNone/>
-            </a:pPr>
-            <a:r>
-              <a:rPr sz="2000"/>
-              <a:t>Tip! If you are browsing live, you can try switching into responsive design mode (Tools &gt; Web Developer &gt; Responsive Design Mode) which allows you to see how the site will appear on different devices.</a:t>
-            </a:r>
-          </a:p>
-          <a:p>
-            <a:pPr marL="0" lvl="0" indent="0">
-              <a:buNone/>
-            </a:pPr>
-            <a:endParaRPr sz="2000"/>
+            <a:pPr marL="0" lvl="0" indent="0">
+              <a:buNone/>
+            </a:pPr>
+            <a:r>
+              <a:rPr dirty="0"/>
+              <a:t>[5 </a:t>
+            </a:r>
+            <a:r>
+              <a:rPr dirty="0" err="1"/>
+              <a:t>mins</a:t>
+            </a:r>
+            <a:r>
+              <a:rPr dirty="0"/>
+              <a:t>]</a:t>
+            </a:r>
+          </a:p>
+          <a:p>
+            <a:pPr marL="0" lvl="0" indent="0">
+              <a:buNone/>
+            </a:pPr>
+            <a:endParaRPr dirty="0"/>
           </a:p>
           <a:p>
             <a:pPr lvl="1"/>
             <a:r>
-              <a:rPr/>
-              <a:t>Which elements of the site disappear when screen space is smaller, and which are still present?</a:t>
-            </a:r>
-          </a:p>
-          <a:p>
-            <a:pPr marL="0" lvl="0" indent="0">
-              <a:buNone/>
-            </a:pPr>
-            <a:endParaRPr/>
+              <a:rPr dirty="0"/>
+              <a:t>Ask users: what elements make a website interactive?</a:t>
+            </a:r>
+          </a:p>
+          <a:p>
+            <a:pPr marL="0" lvl="0" indent="0">
+              <a:buNone/>
+            </a:pPr>
+            <a:endParaRPr dirty="0"/>
           </a:p>
           <a:p>
             <a:pPr lvl="1"/>
             <a:r>
-              <a:rPr/>
-              <a:t>Seeing a site in this mode can help learners understand what aspects of the site the designer thinks is most important.</a:t>
-            </a:r>
+              <a:rPr dirty="0"/>
+              <a:t>Examples might include: Links, forms, search bars, “like” buttons, buy now buttons, comment boxes, status update boxes, lists of items to scroll through, mouse-overs for pop-ups</a:t>
+            </a:r>
+          </a:p>
+          <a:p>
+            <a:pPr marL="0" lvl="0" indent="0">
+              <a:buNone/>
+            </a:pPr>
+            <a:endParaRPr dirty="0"/>
+          </a:p>
+          <a:p>
+            <a:pPr lvl="1"/>
+            <a:r>
+              <a:rPr dirty="0"/>
+              <a:t>Look at some examples with learners, and discuss what they see. Ask learners: how do visual design elements (like size, color, shape, placement) work with interaction elements?</a:t>
+            </a:r>
+          </a:p>
+          <a:p>
+            <a:pPr marL="0" lvl="0" indent="0">
+              <a:buNone/>
+            </a:pPr>
+            <a:endParaRPr dirty="0"/>
+          </a:p>
+          <a:p>
+            <a:pPr lvl="1"/>
+            <a:r>
+              <a:rPr dirty="0"/>
+              <a:t>Learners might notice that designers use color, size and placement to draw attention to buttons they want users to push, or a search bar, </a:t>
+            </a:r>
+            <a:r>
+              <a:rPr dirty="0" err="1"/>
+              <a:t>etc</a:t>
+            </a:r>
+            <a:endParaRPr dirty="0"/>
           </a:p>
         </p:txBody>
       </p:sp>
@@ -2801,7 +3054,7 @@
           <a:p>
             <a:fld id="{18BDFEC3-8487-43E8-A154-7C12CBC1FFF2}" type="slidenum">
               <a:rPr lang="en-US"/>
-              <a:t>12</a:t>
+              <a:t>10</a:t>
             </a:fld>
             <a:endParaRPr lang="en-US"/>
           </a:p>
@@ -2864,12 +3117,25 @@
           <a:bodyPr/>
           <a:lstStyle/>
           <a:p>
-            <a:pPr marL="0" lvl="0" indent="0">
-              <a:buNone/>
-            </a:pPr>
+            <a:pPr marL="1270000" lvl="0" indent="0">
+              <a:buNone/>
+            </a:pPr>
+            <a:r>
+              <a:rPr sz="2000"/>
+              <a:t>Tip! If you are browsing live, you can try switching into responsive design mode (Tools &gt; Web Developer &gt; Responsive Design Mode) which allows you to see how the site will appear on different devices.</a:t>
+            </a:r>
+          </a:p>
+          <a:p>
+            <a:pPr marL="0" lvl="0" indent="0">
+              <a:buNone/>
+            </a:pPr>
+            <a:endParaRPr sz="2000"/>
+          </a:p>
+          <a:p>
+            <a:pPr lvl="1"/>
             <a:r>
               <a:rPr/>
-              <a:t>[5 minutes]</a:t>
+              <a:t>Which elements of the site disappear when screen space is smaller, and which are still present?</a:t>
             </a:r>
           </a:p>
           <a:p>
@@ -2882,124 +3148,7 @@
             <a:pPr lvl="1"/>
             <a:r>
               <a:rPr/>
-              <a:t>Let’s consider the goals that a web site (or the company/organization the site represents) have for interactions on their site, vs. goals of the user. Select an actual site as an example. &gt; Tip! Pick a few common sites, like Amazon.com, or Youtube.com, or any sites frequently used in your audience’s community. You can assign the sites, or let learners select.</a:t>
-            </a:r>
-          </a:p>
-          <a:p>
-            <a:pPr marL="0" lvl="0" indent="0">
-              <a:buNone/>
-            </a:pPr>
-            <a:endParaRPr/>
-          </a:p>
-          <a:p>
-            <a:pPr lvl="1"/>
-            <a:r>
-              <a:rPr/>
-              <a:t>Ask learners:</a:t>
-            </a:r>
-          </a:p>
-          <a:p>
-            <a:pPr marL="0" lvl="0" indent="0">
-              <a:buNone/>
-            </a:pPr>
-            <a:endParaRPr/>
-          </a:p>
-          <a:p>
-            <a:pPr lvl="2"/>
-            <a:r>
-              <a:rPr/>
-              <a:t>What are goals users might have related to the site?</a:t>
-            </a:r>
-          </a:p>
-          <a:p>
-            <a:pPr marL="0" lvl="0" indent="0">
-              <a:buNone/>
-            </a:pPr>
-            <a:endParaRPr/>
-          </a:p>
-          <a:p>
-            <a:pPr lvl="2"/>
-            <a:r>
-              <a:rPr/>
-              <a:t>What are goals the site/company/org might have?</a:t>
-            </a:r>
-          </a:p>
-          <a:p>
-            <a:pPr marL="0" lvl="0" indent="0">
-              <a:buNone/>
-            </a:pPr>
-            <a:endParaRPr/>
-          </a:p>
-          <a:p>
-            <a:pPr lvl="1"/>
-            <a:r>
-              <a:rPr/>
-              <a:t>Try to list three or more potential goals for each. For example:</a:t>
-            </a:r>
-          </a:p>
-          <a:p>
-            <a:pPr marL="0" lvl="0" indent="0">
-              <a:buNone/>
-            </a:pPr>
-            <a:endParaRPr/>
-          </a:p>
-          <a:p>
-            <a:pPr lvl="2"/>
-            <a:r>
-              <a:rPr/>
-              <a:t>Youtube.com might have the goal of encouraging users to watch lots of content. A secondary goal might be for users see click on ads. A third goal might be to encourage users to comment on videos.</a:t>
-            </a:r>
-          </a:p>
-          <a:p>
-            <a:pPr marL="0" lvl="0" indent="0">
-              <a:buNone/>
-            </a:pPr>
-            <a:endParaRPr/>
-          </a:p>
-          <a:p>
-            <a:pPr lvl="2"/>
-            <a:r>
-              <a:rPr/>
-              <a:t>A user of Youtube.com might stop by to watch just a single specific video. Or a user may also want to find many videos of about one subject. And a user might want to upload her own content to YouTube.</a:t>
-            </a:r>
-          </a:p>
-          <a:p>
-            <a:pPr marL="0" lvl="0" indent="0">
-              <a:buNone/>
-            </a:pPr>
-            <a:endParaRPr/>
-          </a:p>
-          <a:p>
-            <a:pPr lvl="1"/>
-            <a:r>
-              <a:rPr/>
-              <a:t>Are the users’ and the site’s goals in conflict? How?</a:t>
-            </a:r>
-          </a:p>
-          <a:p>
-            <a:pPr marL="0" lvl="0" indent="0">
-              <a:buNone/>
-            </a:pPr>
-            <a:endParaRPr/>
-          </a:p>
-          <a:p>
-            <a:pPr lvl="1"/>
-            <a:r>
-              <a:rPr/>
-              <a:t>What happens when user and site goals are in conflict?</a:t>
-            </a:r>
-          </a:p>
-          <a:p>
-            <a:pPr marL="0" lvl="0" indent="0">
-              <a:buNone/>
-            </a:pPr>
-            <a:endParaRPr/>
-          </a:p>
-          <a:p>
-            <a:pPr lvl="1"/>
-            <a:r>
-              <a:rPr/>
-              <a:t>Explain to learners that by documenting their experience with sites, they can see how the design of the site works to meet sites’ goals and user’s goals… or not!</a:t>
+              <a:t>Seeing a site in this mode can help learners understand what aspects of the site the designer thinks is most important.</a:t>
             </a:r>
           </a:p>
         </p:txBody>
@@ -3021,7 +3170,7 @@
           <a:p>
             <a:fld id="{18BDFEC3-8487-43E8-A154-7C12CBC1FFF2}" type="slidenum">
               <a:rPr lang="en-US"/>
-              <a:t>13</a:t>
+              <a:t>12</a:t>
             </a:fld>
             <a:endParaRPr lang="en-US"/>
           </a:p>
@@ -3603,42 +3752,272 @@
         <p:spPr/>
         <p:txBody>
           <a:bodyPr/>
-          <a:lstStyle/>
-          <a:p>
-            <a:pPr lvl="0"/>
-            <a:r>
-              <a:rPr lang="en-US" smtClean="0"/>
-              <a:t>Click to edit Master text styles</a:t>
-            </a:r>
-          </a:p>
-          <a:p>
-            <a:pPr lvl="1"/>
-            <a:r>
-              <a:rPr lang="en-US" smtClean="0"/>
+          <a:lstStyle>
+            <a:lvl1pPr marL="0" marR="0" indent="0" algn="l" defTabSz="914400" rtl="0" eaLnBrk="1" fontAlgn="auto" latinLnBrk="0" hangingPunct="1">
+              <a:lnSpc>
+                <a:spcPct val="90000"/>
+              </a:lnSpc>
+              <a:spcBef>
+                <a:spcPts val="1000"/>
+              </a:spcBef>
+              <a:spcAft>
+                <a:spcPts val="0"/>
+              </a:spcAft>
+              <a:buClrTx/>
+              <a:buSzTx/>
+              <a:buFont typeface="Arial" panose="020B0604020202020204" pitchFamily="34" charset="0"/>
+              <a:buNone/>
+              <a:tabLst/>
+              <a:defRPr/>
+            </a:lvl1pPr>
+            <a:lvl2pPr marL="685800" marR="0" indent="-228600" algn="l" defTabSz="914400" rtl="0" eaLnBrk="1" fontAlgn="auto" latinLnBrk="0" hangingPunct="1">
+              <a:lnSpc>
+                <a:spcPct val="90000"/>
+              </a:lnSpc>
+              <a:spcBef>
+                <a:spcPts val="500"/>
+              </a:spcBef>
+              <a:spcAft>
+                <a:spcPts val="0"/>
+              </a:spcAft>
+              <a:buClrTx/>
+              <a:buSzTx/>
+              <a:buFont typeface="Arial" panose="020B0604020202020204" pitchFamily="34" charset="0"/>
+              <a:buChar char="•"/>
+              <a:tabLst/>
+              <a:defRPr/>
+            </a:lvl2pPr>
+            <a:lvl3pPr marL="1143000" marR="0" indent="-228600" algn="l" defTabSz="914400" rtl="0" eaLnBrk="1" fontAlgn="auto" latinLnBrk="0" hangingPunct="1">
+              <a:lnSpc>
+                <a:spcPct val="90000"/>
+              </a:lnSpc>
+              <a:spcBef>
+                <a:spcPts val="500"/>
+              </a:spcBef>
+              <a:spcAft>
+                <a:spcPts val="0"/>
+              </a:spcAft>
+              <a:buClrTx/>
+              <a:buSzTx/>
+              <a:buFont typeface="Arial" panose="020B0604020202020204" pitchFamily="34" charset="0"/>
+              <a:buChar char="•"/>
+              <a:tabLst/>
+              <a:defRPr/>
+            </a:lvl3pPr>
+            <a:lvl4pPr marL="1600200" marR="0" indent="-228600" algn="l" defTabSz="914400" rtl="0" eaLnBrk="1" fontAlgn="auto" latinLnBrk="0" hangingPunct="1">
+              <a:lnSpc>
+                <a:spcPct val="90000"/>
+              </a:lnSpc>
+              <a:spcBef>
+                <a:spcPts val="500"/>
+              </a:spcBef>
+              <a:spcAft>
+                <a:spcPts val="0"/>
+              </a:spcAft>
+              <a:buClrTx/>
+              <a:buSzTx/>
+              <a:buFont typeface="Arial" panose="020B0604020202020204" pitchFamily="34" charset="0"/>
+              <a:buChar char="•"/>
+              <a:tabLst/>
+              <a:defRPr/>
+            </a:lvl4pPr>
+            <a:lvl5pPr marL="2057400" marR="0" indent="-228600" algn="l" defTabSz="914400" rtl="0" eaLnBrk="1" fontAlgn="auto" latinLnBrk="0" hangingPunct="1">
+              <a:lnSpc>
+                <a:spcPct val="90000"/>
+              </a:lnSpc>
+              <a:spcBef>
+                <a:spcPts val="500"/>
+              </a:spcBef>
+              <a:spcAft>
+                <a:spcPts val="0"/>
+              </a:spcAft>
+              <a:buClrTx/>
+              <a:buSzTx/>
+              <a:buFont typeface="Arial" panose="020B0604020202020204" pitchFamily="34" charset="0"/>
+              <a:buChar char="•"/>
+              <a:tabLst/>
+              <a:defRPr/>
+            </a:lvl5pPr>
+          </a:lstStyle>
+          <a:p>
+            <a:pPr marL="0" marR="0" lvl="0" indent="0" algn="l" defTabSz="914400" rtl="0" eaLnBrk="1" fontAlgn="auto" latinLnBrk="0" hangingPunct="1">
+              <a:lnSpc>
+                <a:spcPct val="90000"/>
+              </a:lnSpc>
+              <a:spcBef>
+                <a:spcPts val="1000"/>
+              </a:spcBef>
+              <a:spcAft>
+                <a:spcPts val="0"/>
+              </a:spcAft>
+              <a:buClrTx/>
+              <a:buSzTx/>
+              <a:buFont typeface="Arial" panose="020B0604020202020204" pitchFamily="34" charset="0"/>
+              <a:buNone/>
+              <a:tabLst/>
+              <a:defRPr/>
+            </a:pPr>
+            <a:r>
+              <a:rPr kumimoji="0" lang="en-GB" sz="2400" b="0" i="0" u="none" strike="noStrike" kern="1200" cap="none" spc="0" normalizeH="0" baseline="0" noProof="0" dirty="0" smtClean="0">
+                <a:ln>
+                  <a:noFill/>
+                </a:ln>
+                <a:solidFill>
+                  <a:prstClr val="black"/>
+                </a:solidFill>
+                <a:effectLst/>
+                <a:uLnTx/>
+                <a:uFillTx/>
+                <a:latin typeface="Arial" panose="020B0604020202020204" pitchFamily="34" charset="0"/>
+                <a:cs typeface="Arial" panose="020B0604020202020204" pitchFamily="34" charset="0"/>
+                <a:sym typeface="Roboto"/>
+              </a:rPr>
+              <a:t>Edit Master text styles</a:t>
+            </a:r>
+          </a:p>
+          <a:p>
+            <a:pPr marL="685800" marR="0" lvl="1" indent="-228600" algn="l" defTabSz="914400" rtl="0" eaLnBrk="1" fontAlgn="auto" latinLnBrk="0" hangingPunct="1">
+              <a:lnSpc>
+                <a:spcPct val="90000"/>
+              </a:lnSpc>
+              <a:spcBef>
+                <a:spcPts val="500"/>
+              </a:spcBef>
+              <a:spcAft>
+                <a:spcPts val="0"/>
+              </a:spcAft>
+              <a:buClrTx/>
+              <a:buSzTx/>
+              <a:buFont typeface="Arial" panose="020B0604020202020204" pitchFamily="34" charset="0"/>
+              <a:buChar char="•"/>
+              <a:tabLst/>
+              <a:defRPr/>
+            </a:pPr>
+            <a:r>
+              <a:rPr kumimoji="0" lang="en-GB" sz="2000" b="0" i="0" u="none" strike="noStrike" kern="1200" cap="none" spc="0" normalizeH="0" baseline="0" noProof="0" dirty="0" smtClean="0">
+                <a:ln>
+                  <a:noFill/>
+                </a:ln>
+                <a:solidFill>
+                  <a:prstClr val="black"/>
+                </a:solidFill>
+                <a:effectLst/>
+                <a:uLnTx/>
+                <a:uFillTx/>
+                <a:latin typeface="Arial" panose="020B0604020202020204" pitchFamily="34" charset="0"/>
+                <a:cs typeface="Arial" panose="020B0604020202020204" pitchFamily="34" charset="0"/>
+                <a:sym typeface="Roboto"/>
+              </a:rPr>
               <a:t>Second level</a:t>
             </a:r>
           </a:p>
           <a:p>
-            <a:pPr lvl="2"/>
-            <a:r>
-              <a:rPr lang="en-US" smtClean="0"/>
+            <a:pPr marL="1143000" marR="0" lvl="2" indent="-228600" algn="l" defTabSz="914400" rtl="0" eaLnBrk="1" fontAlgn="auto" latinLnBrk="0" hangingPunct="1">
+              <a:lnSpc>
+                <a:spcPct val="90000"/>
+              </a:lnSpc>
+              <a:spcBef>
+                <a:spcPts val="500"/>
+              </a:spcBef>
+              <a:spcAft>
+                <a:spcPts val="0"/>
+              </a:spcAft>
+              <a:buClrTx/>
+              <a:buSzTx/>
+              <a:buFont typeface="Arial" panose="020B0604020202020204" pitchFamily="34" charset="0"/>
+              <a:buChar char="•"/>
+              <a:tabLst/>
+              <a:defRPr/>
+            </a:pPr>
+            <a:r>
+              <a:rPr kumimoji="0" lang="en-GB" sz="1800" b="0" i="0" u="none" strike="noStrike" kern="1200" cap="none" spc="0" normalizeH="0" baseline="0" noProof="0" dirty="0" smtClean="0">
+                <a:ln>
+                  <a:noFill/>
+                </a:ln>
+                <a:solidFill>
+                  <a:prstClr val="black"/>
+                </a:solidFill>
+                <a:effectLst/>
+                <a:uLnTx/>
+                <a:uFillTx/>
+                <a:latin typeface="Arial" panose="020B0604020202020204" pitchFamily="34" charset="0"/>
+                <a:cs typeface="Arial" panose="020B0604020202020204" pitchFamily="34" charset="0"/>
+                <a:sym typeface="Roboto"/>
+              </a:rPr>
               <a:t>Third level</a:t>
             </a:r>
           </a:p>
           <a:p>
-            <a:pPr lvl="3"/>
-            <a:r>
-              <a:rPr lang="en-US" smtClean="0"/>
+            <a:pPr marL="1600200" marR="0" lvl="3" indent="-228600" algn="l" defTabSz="914400" rtl="0" eaLnBrk="1" fontAlgn="auto" latinLnBrk="0" hangingPunct="1">
+              <a:lnSpc>
+                <a:spcPct val="90000"/>
+              </a:lnSpc>
+              <a:spcBef>
+                <a:spcPts val="500"/>
+              </a:spcBef>
+              <a:spcAft>
+                <a:spcPts val="0"/>
+              </a:spcAft>
+              <a:buClrTx/>
+              <a:buSzTx/>
+              <a:buFont typeface="Arial" panose="020B0604020202020204" pitchFamily="34" charset="0"/>
+              <a:buChar char="•"/>
+              <a:tabLst/>
+              <a:defRPr/>
+            </a:pPr>
+            <a:r>
+              <a:rPr kumimoji="0" lang="en-GB" sz="1600" b="0" i="0" u="none" strike="noStrike" kern="1200" cap="none" spc="0" normalizeH="0" baseline="0" noProof="0" dirty="0" smtClean="0">
+                <a:ln>
+                  <a:noFill/>
+                </a:ln>
+                <a:solidFill>
+                  <a:prstClr val="black"/>
+                </a:solidFill>
+                <a:effectLst/>
+                <a:uLnTx/>
+                <a:uFillTx/>
+                <a:latin typeface="Arial" panose="020B0604020202020204" pitchFamily="34" charset="0"/>
+                <a:cs typeface="Arial" panose="020B0604020202020204" pitchFamily="34" charset="0"/>
+                <a:sym typeface="Roboto"/>
+              </a:rPr>
               <a:t>Fourth level</a:t>
             </a:r>
           </a:p>
           <a:p>
-            <a:pPr lvl="4"/>
-            <a:r>
-              <a:rPr lang="en-US" smtClean="0"/>
+            <a:pPr marL="2057400" marR="0" lvl="4" indent="-228600" algn="l" defTabSz="914400" rtl="0" eaLnBrk="1" fontAlgn="auto" latinLnBrk="0" hangingPunct="1">
+              <a:lnSpc>
+                <a:spcPct val="90000"/>
+              </a:lnSpc>
+              <a:spcBef>
+                <a:spcPts val="500"/>
+              </a:spcBef>
+              <a:spcAft>
+                <a:spcPts val="0"/>
+              </a:spcAft>
+              <a:buClrTx/>
+              <a:buSzTx/>
+              <a:buFont typeface="Arial" panose="020B0604020202020204" pitchFamily="34" charset="0"/>
+              <a:buChar char="•"/>
+              <a:tabLst/>
+              <a:defRPr/>
+            </a:pPr>
+            <a:r>
+              <a:rPr kumimoji="0" lang="en-GB" sz="1600" b="0" i="0" u="none" strike="noStrike" kern="1200" cap="none" spc="0" normalizeH="0" baseline="0" noProof="0" dirty="0" smtClean="0">
+                <a:ln>
+                  <a:noFill/>
+                </a:ln>
+                <a:solidFill>
+                  <a:prstClr val="black"/>
+                </a:solidFill>
+                <a:effectLst/>
+                <a:uLnTx/>
+                <a:uFillTx/>
+                <a:latin typeface="Arial" panose="020B0604020202020204" pitchFamily="34" charset="0"/>
+                <a:cs typeface="Arial" panose="020B0604020202020204" pitchFamily="34" charset="0"/>
+                <a:sym typeface="Roboto"/>
+              </a:rPr>
               <a:t>Fifth level</a:t>
             </a:r>
-            <a:endParaRPr lang="en-US"/>
           </a:p>
         </p:txBody>
       </p:sp>
@@ -3659,7 +4038,7 @@
           <a:p>
             <a:fld id="{241EB5C9-1307-BA42-ABA2-0BC069CD8E7F}" type="datetimeFigureOut">
               <a:rPr lang="en-US" smtClean="0"/>
-              <a:t>8/30/2021</a:t>
+              <a:t>9/8/2021</a:t>
             </a:fld>
             <a:endParaRPr lang="en-US"/>
           </a:p>
@@ -3980,21 +4359,165 @@
               <a:defRPr/>
             </a:pPr>
             <a:r>
-              <a:rPr kumimoji="0" lang="en-US" sz="2000" b="0" i="0" u="none" strike="noStrike" kern="0" cap="none" spc="0" normalizeH="0" baseline="0" noProof="0" smtClean="0">
+              <a:rPr kumimoji="0" lang="en-GB" sz="2400" b="0" i="0" u="none" strike="noStrike" kern="1200" cap="none" spc="0" normalizeH="0" baseline="0" noProof="0" dirty="0" smtClean="0">
                 <a:ln>
                   <a:noFill/>
                 </a:ln>
                 <a:solidFill>
-                  <a:srgbClr val="000000"/>
+                  <a:prstClr val="black"/>
                 </a:solidFill>
                 <a:effectLst/>
                 <a:uLnTx/>
                 <a:uFillTx/>
-                <a:latin typeface="Arial"/>
-                <a:cs typeface="Arial"/>
-                <a:sym typeface="Arial"/>
+                <a:latin typeface="Arial" panose="020B0604020202020204" pitchFamily="34" charset="0"/>
+                <a:cs typeface="Arial" panose="020B0604020202020204" pitchFamily="34" charset="0"/>
+                <a:sym typeface="Roboto"/>
               </a:rPr>
               <a:t>Edit Master text styles</a:t>
+            </a:r>
+          </a:p>
+          <a:p>
+            <a:pPr marL="685800" marR="0" lvl="1" indent="-228600" algn="l" defTabSz="914400" rtl="0" eaLnBrk="1" fontAlgn="auto" latinLnBrk="0" hangingPunct="1">
+              <a:lnSpc>
+                <a:spcPct val="90000"/>
+              </a:lnSpc>
+              <a:spcBef>
+                <a:spcPts val="500"/>
+              </a:spcBef>
+              <a:spcAft>
+                <a:spcPts val="0"/>
+              </a:spcAft>
+              <a:buClrTx/>
+              <a:buSzTx/>
+              <a:buFont typeface="Arial" panose="020B0604020202020204" pitchFamily="34" charset="0"/>
+              <a:buChar char="•"/>
+              <a:tabLst/>
+              <a:defRPr/>
+            </a:pPr>
+            <a:r>
+              <a:rPr kumimoji="0" lang="en-GB" sz="2000" b="0" i="0" u="none" strike="noStrike" kern="1200" cap="none" spc="0" normalizeH="0" baseline="0" noProof="0" dirty="0" smtClean="0">
+                <a:ln>
+                  <a:noFill/>
+                </a:ln>
+                <a:solidFill>
+                  <a:prstClr val="black"/>
+                </a:solidFill>
+                <a:effectLst/>
+                <a:uLnTx/>
+                <a:uFillTx/>
+                <a:latin typeface="Arial" panose="020B0604020202020204" pitchFamily="34" charset="0"/>
+                <a:cs typeface="Arial" panose="020B0604020202020204" pitchFamily="34" charset="0"/>
+                <a:sym typeface="Roboto"/>
+              </a:rPr>
+              <a:t>Second level</a:t>
+            </a:r>
+          </a:p>
+          <a:p>
+            <a:pPr marL="1143000" marR="0" lvl="2" indent="-228600" algn="l" defTabSz="914400" rtl="0" eaLnBrk="1" fontAlgn="auto" latinLnBrk="0" hangingPunct="1">
+              <a:lnSpc>
+                <a:spcPct val="90000"/>
+              </a:lnSpc>
+              <a:spcBef>
+                <a:spcPts val="500"/>
+              </a:spcBef>
+              <a:spcAft>
+                <a:spcPts val="0"/>
+              </a:spcAft>
+              <a:buClrTx/>
+              <a:buSzTx/>
+              <a:buFont typeface="Arial" panose="020B0604020202020204" pitchFamily="34" charset="0"/>
+              <a:buChar char="•"/>
+              <a:tabLst/>
+              <a:defRPr/>
+            </a:pPr>
+            <a:r>
+              <a:rPr kumimoji="0" lang="en-GB" sz="1800" b="0" i="0" u="none" strike="noStrike" kern="1200" cap="none" spc="0" normalizeH="0" baseline="0" noProof="0" dirty="0" smtClean="0">
+                <a:ln>
+                  <a:noFill/>
+                </a:ln>
+                <a:solidFill>
+                  <a:prstClr val="black"/>
+                </a:solidFill>
+                <a:effectLst/>
+                <a:uLnTx/>
+                <a:uFillTx/>
+                <a:latin typeface="Arial" panose="020B0604020202020204" pitchFamily="34" charset="0"/>
+                <a:cs typeface="Arial" panose="020B0604020202020204" pitchFamily="34" charset="0"/>
+                <a:sym typeface="Roboto"/>
+              </a:rPr>
+              <a:t>Third level</a:t>
+            </a:r>
+          </a:p>
+          <a:p>
+            <a:pPr marL="1600200" marR="0" lvl="3" indent="-228600" algn="l" defTabSz="914400" rtl="0" eaLnBrk="1" fontAlgn="auto" latinLnBrk="0" hangingPunct="1">
+              <a:lnSpc>
+                <a:spcPct val="90000"/>
+              </a:lnSpc>
+              <a:spcBef>
+                <a:spcPts val="500"/>
+              </a:spcBef>
+              <a:spcAft>
+                <a:spcPts val="0"/>
+              </a:spcAft>
+              <a:buClrTx/>
+              <a:buSzTx/>
+              <a:buFont typeface="Arial" panose="020B0604020202020204" pitchFamily="34" charset="0"/>
+              <a:buChar char="•"/>
+              <a:tabLst/>
+              <a:defRPr/>
+            </a:pPr>
+            <a:r>
+              <a:rPr kumimoji="0" lang="en-GB" sz="1600" b="0" i="0" u="none" strike="noStrike" kern="1200" cap="none" spc="0" normalizeH="0" baseline="0" noProof="0" dirty="0" smtClean="0">
+                <a:ln>
+                  <a:noFill/>
+                </a:ln>
+                <a:solidFill>
+                  <a:prstClr val="black"/>
+                </a:solidFill>
+                <a:effectLst/>
+                <a:uLnTx/>
+                <a:uFillTx/>
+                <a:latin typeface="Arial" panose="020B0604020202020204" pitchFamily="34" charset="0"/>
+                <a:cs typeface="Arial" panose="020B0604020202020204" pitchFamily="34" charset="0"/>
+                <a:sym typeface="Roboto"/>
+              </a:rPr>
+              <a:t>Fourth level</a:t>
+            </a:r>
+          </a:p>
+          <a:p>
+            <a:pPr marL="2057400" marR="0" lvl="4" indent="-228600" algn="l" defTabSz="914400" rtl="0" eaLnBrk="1" fontAlgn="auto" latinLnBrk="0" hangingPunct="1">
+              <a:lnSpc>
+                <a:spcPct val="90000"/>
+              </a:lnSpc>
+              <a:spcBef>
+                <a:spcPts val="500"/>
+              </a:spcBef>
+              <a:spcAft>
+                <a:spcPts val="0"/>
+              </a:spcAft>
+              <a:buClrTx/>
+              <a:buSzTx/>
+              <a:buFont typeface="Arial" panose="020B0604020202020204" pitchFamily="34" charset="0"/>
+              <a:buChar char="•"/>
+              <a:tabLst/>
+              <a:defRPr/>
+            </a:pPr>
+            <a:r>
+              <a:rPr kumimoji="0" lang="en-GB" sz="1600" b="0" i="0" u="none" strike="noStrike" kern="1200" cap="none" spc="0" normalizeH="0" baseline="0" noProof="0" dirty="0" smtClean="0">
+                <a:ln>
+                  <a:noFill/>
+                </a:ln>
+                <a:solidFill>
+                  <a:prstClr val="black"/>
+                </a:solidFill>
+                <a:effectLst/>
+                <a:uLnTx/>
+                <a:uFillTx/>
+                <a:latin typeface="Arial" panose="020B0604020202020204" pitchFamily="34" charset="0"/>
+                <a:cs typeface="Arial" panose="020B0604020202020204" pitchFamily="34" charset="0"/>
+                <a:sym typeface="Roboto"/>
+              </a:rPr>
+              <a:t>Fifth level</a:t>
             </a:r>
           </a:p>
         </p:txBody>
@@ -4373,42 +4896,92 @@
         <p:txBody>
           <a:bodyPr lIns="91425" tIns="91425" rIns="91425" bIns="91425" anchor="t" anchorCtr="0"/>
           <a:lstStyle>
-            <a:lvl1pPr lvl="0">
-              <a:spcBef>
-                <a:spcPts val="0"/>
-              </a:spcBef>
-              <a:buSzPct val="100000"/>
+            <a:lvl1pPr marL="0" marR="0" lvl="0" indent="0" algn="l" defTabSz="914400" rtl="0" eaLnBrk="1" fontAlgn="auto" latinLnBrk="0" hangingPunct="1">
+              <a:lnSpc>
+                <a:spcPct val="90000"/>
+              </a:lnSpc>
+              <a:spcBef>
+                <a:spcPts val="1000"/>
+              </a:spcBef>
+              <a:spcAft>
+                <a:spcPts val="0"/>
+              </a:spcAft>
+              <a:buClrTx/>
+              <a:buSzTx/>
+              <a:buFont typeface="Arial" panose="020B0604020202020204" pitchFamily="34" charset="0"/>
+              <a:buNone/>
+              <a:tabLst/>
               <a:defRPr sz="2000">
                 <a:latin typeface="Arial" panose="020B0604020202020204" pitchFamily="34" charset="0"/>
                 <a:cs typeface="Arial" panose="020B0604020202020204" pitchFamily="34" charset="0"/>
               </a:defRPr>
             </a:lvl1pPr>
-            <a:lvl2pPr lvl="1">
-              <a:spcBef>
-                <a:spcPts val="0"/>
-              </a:spcBef>
-              <a:buSzPct val="100000"/>
+            <a:lvl2pPr marL="685800" marR="0" lvl="1" indent="-228600" algn="l" defTabSz="914400" rtl="0" eaLnBrk="1" fontAlgn="auto" latinLnBrk="0" hangingPunct="1">
+              <a:lnSpc>
+                <a:spcPct val="90000"/>
+              </a:lnSpc>
+              <a:spcBef>
+                <a:spcPts val="500"/>
+              </a:spcBef>
+              <a:spcAft>
+                <a:spcPts val="0"/>
+              </a:spcAft>
+              <a:buClrTx/>
+              <a:buSzTx/>
+              <a:buFont typeface="Arial" panose="020B0604020202020204" pitchFamily="34" charset="0"/>
+              <a:buChar char="•"/>
+              <a:tabLst/>
               <a:defRPr sz="1600"/>
             </a:lvl2pPr>
-            <a:lvl3pPr lvl="2">
-              <a:spcBef>
-                <a:spcPts val="0"/>
-              </a:spcBef>
-              <a:buSzPct val="100000"/>
+            <a:lvl3pPr marL="1143000" marR="0" lvl="2" indent="-228600" algn="l" defTabSz="914400" rtl="0" eaLnBrk="1" fontAlgn="auto" latinLnBrk="0" hangingPunct="1">
+              <a:lnSpc>
+                <a:spcPct val="90000"/>
+              </a:lnSpc>
+              <a:spcBef>
+                <a:spcPts val="500"/>
+              </a:spcBef>
+              <a:spcAft>
+                <a:spcPts val="0"/>
+              </a:spcAft>
+              <a:buClrTx/>
+              <a:buSzTx/>
+              <a:buFont typeface="Arial" panose="020B0604020202020204" pitchFamily="34" charset="0"/>
+              <a:buChar char="•"/>
+              <a:tabLst/>
               <a:defRPr sz="1600"/>
             </a:lvl3pPr>
-            <a:lvl4pPr lvl="3">
-              <a:spcBef>
-                <a:spcPts val="0"/>
-              </a:spcBef>
-              <a:buSzPct val="100000"/>
+            <a:lvl4pPr marL="1600200" marR="0" lvl="3" indent="-228600" algn="l" defTabSz="914400" rtl="0" eaLnBrk="1" fontAlgn="auto" latinLnBrk="0" hangingPunct="1">
+              <a:lnSpc>
+                <a:spcPct val="90000"/>
+              </a:lnSpc>
+              <a:spcBef>
+                <a:spcPts val="500"/>
+              </a:spcBef>
+              <a:spcAft>
+                <a:spcPts val="0"/>
+              </a:spcAft>
+              <a:buClrTx/>
+              <a:buSzTx/>
+              <a:buFont typeface="Arial" panose="020B0604020202020204" pitchFamily="34" charset="0"/>
+              <a:buChar char="•"/>
+              <a:tabLst/>
               <a:defRPr sz="1600"/>
             </a:lvl4pPr>
-            <a:lvl5pPr lvl="4">
-              <a:spcBef>
-                <a:spcPts val="0"/>
-              </a:spcBef>
-              <a:buSzPct val="100000"/>
+            <a:lvl5pPr marL="2057400" marR="0" lvl="4" indent="-228600" algn="l" defTabSz="914400" rtl="0" eaLnBrk="1" fontAlgn="auto" latinLnBrk="0" hangingPunct="1">
+              <a:lnSpc>
+                <a:spcPct val="90000"/>
+              </a:lnSpc>
+              <a:spcBef>
+                <a:spcPts val="500"/>
+              </a:spcBef>
+              <a:spcAft>
+                <a:spcPts val="0"/>
+              </a:spcAft>
+              <a:buClrTx/>
+              <a:buSzTx/>
+              <a:buFont typeface="Arial" panose="020B0604020202020204" pitchFamily="34" charset="0"/>
+              <a:buChar char="•"/>
+              <a:tabLst/>
               <a:defRPr sz="1600"/>
             </a:lvl5pPr>
             <a:lvl6pPr lvl="5">
@@ -4441,10 +5014,183 @@
             </a:lvl9pPr>
           </a:lstStyle>
           <a:p>
-            <a:pPr lvl="0"/>
-            <a:r>
-              <a:rPr lang="en-US" smtClean="0"/>
+            <a:pPr marL="0" marR="0" lvl="0" indent="0" algn="l" defTabSz="914400" rtl="0" eaLnBrk="1" fontAlgn="auto" latinLnBrk="0" hangingPunct="1">
+              <a:lnSpc>
+                <a:spcPct val="90000"/>
+              </a:lnSpc>
+              <a:spcBef>
+                <a:spcPts val="1000"/>
+              </a:spcBef>
+              <a:spcAft>
+                <a:spcPts val="0"/>
+              </a:spcAft>
+              <a:buClrTx/>
+              <a:buSzTx/>
+              <a:buFont typeface="Arial" panose="020B0604020202020204" pitchFamily="34" charset="0"/>
+              <a:buNone/>
+              <a:tabLst/>
+              <a:defRPr/>
+            </a:pPr>
+            <a:r>
+              <a:rPr kumimoji="0" lang="en-GB" sz="2400" b="0" i="0" u="none" strike="noStrike" kern="1200" cap="none" spc="0" normalizeH="0" baseline="0" noProof="0" dirty="0" smtClean="0">
+                <a:ln>
+                  <a:noFill/>
+                </a:ln>
+                <a:solidFill>
+                  <a:prstClr val="black"/>
+                </a:solidFill>
+                <a:effectLst/>
+                <a:uLnTx/>
+                <a:uFillTx/>
+                <a:latin typeface="Arial" panose="020B0604020202020204" pitchFamily="34" charset="0"/>
+                <a:cs typeface="Arial" panose="020B0604020202020204" pitchFamily="34" charset="0"/>
+                <a:sym typeface="Roboto"/>
+              </a:rPr>
               <a:t>Edit Master text styles</a:t>
+            </a:r>
+          </a:p>
+          <a:p>
+            <a:pPr marL="685800" marR="0" lvl="1" indent="-228600" algn="l" defTabSz="914400" rtl="0" eaLnBrk="1" fontAlgn="auto" latinLnBrk="0" hangingPunct="1">
+              <a:lnSpc>
+                <a:spcPct val="90000"/>
+              </a:lnSpc>
+              <a:spcBef>
+                <a:spcPts val="500"/>
+              </a:spcBef>
+              <a:spcAft>
+                <a:spcPts val="0"/>
+              </a:spcAft>
+              <a:buClrTx/>
+              <a:buSzTx/>
+              <a:buFont typeface="Arial" panose="020B0604020202020204" pitchFamily="34" charset="0"/>
+              <a:buChar char="•"/>
+              <a:tabLst/>
+              <a:defRPr/>
+            </a:pPr>
+            <a:r>
+              <a:rPr kumimoji="0" lang="en-GB" sz="2000" b="0" i="0" u="none" strike="noStrike" kern="1200" cap="none" spc="0" normalizeH="0" baseline="0" noProof="0" dirty="0" smtClean="0">
+                <a:ln>
+                  <a:noFill/>
+                </a:ln>
+                <a:solidFill>
+                  <a:prstClr val="black"/>
+                </a:solidFill>
+                <a:effectLst/>
+                <a:uLnTx/>
+                <a:uFillTx/>
+                <a:latin typeface="Arial" panose="020B0604020202020204" pitchFamily="34" charset="0"/>
+                <a:cs typeface="Arial" panose="020B0604020202020204" pitchFamily="34" charset="0"/>
+                <a:sym typeface="Roboto"/>
+              </a:rPr>
+              <a:t>Second level</a:t>
+            </a:r>
+          </a:p>
+          <a:p>
+            <a:pPr marL="1143000" marR="0" lvl="2" indent="-228600" algn="l" defTabSz="914400" rtl="0" eaLnBrk="1" fontAlgn="auto" latinLnBrk="0" hangingPunct="1">
+              <a:lnSpc>
+                <a:spcPct val="90000"/>
+              </a:lnSpc>
+              <a:spcBef>
+                <a:spcPts val="500"/>
+              </a:spcBef>
+              <a:spcAft>
+                <a:spcPts val="0"/>
+              </a:spcAft>
+              <a:buClrTx/>
+              <a:buSzTx/>
+              <a:buFont typeface="Arial" panose="020B0604020202020204" pitchFamily="34" charset="0"/>
+              <a:buChar char="•"/>
+              <a:tabLst/>
+              <a:defRPr/>
+            </a:pPr>
+            <a:r>
+              <a:rPr kumimoji="0" lang="en-GB" sz="1800" b="0" i="0" u="none" strike="noStrike" kern="1200" cap="none" spc="0" normalizeH="0" baseline="0" noProof="0" dirty="0" smtClean="0">
+                <a:ln>
+                  <a:noFill/>
+                </a:ln>
+                <a:solidFill>
+                  <a:prstClr val="black"/>
+                </a:solidFill>
+                <a:effectLst/>
+                <a:uLnTx/>
+                <a:uFillTx/>
+                <a:latin typeface="Arial" panose="020B0604020202020204" pitchFamily="34" charset="0"/>
+                <a:cs typeface="Arial" panose="020B0604020202020204" pitchFamily="34" charset="0"/>
+                <a:sym typeface="Roboto"/>
+              </a:rPr>
+              <a:t>Third level</a:t>
+            </a:r>
+          </a:p>
+          <a:p>
+            <a:pPr marL="1600200" marR="0" lvl="3" indent="-228600" algn="l" defTabSz="914400" rtl="0" eaLnBrk="1" fontAlgn="auto" latinLnBrk="0" hangingPunct="1">
+              <a:lnSpc>
+                <a:spcPct val="90000"/>
+              </a:lnSpc>
+              <a:spcBef>
+                <a:spcPts val="500"/>
+              </a:spcBef>
+              <a:spcAft>
+                <a:spcPts val="0"/>
+              </a:spcAft>
+              <a:buClrTx/>
+              <a:buSzTx/>
+              <a:buFont typeface="Arial" panose="020B0604020202020204" pitchFamily="34" charset="0"/>
+              <a:buChar char="•"/>
+              <a:tabLst/>
+              <a:defRPr/>
+            </a:pPr>
+            <a:r>
+              <a:rPr kumimoji="0" lang="en-GB" sz="1600" b="0" i="0" u="none" strike="noStrike" kern="1200" cap="none" spc="0" normalizeH="0" baseline="0" noProof="0" dirty="0" smtClean="0">
+                <a:ln>
+                  <a:noFill/>
+                </a:ln>
+                <a:solidFill>
+                  <a:prstClr val="black"/>
+                </a:solidFill>
+                <a:effectLst/>
+                <a:uLnTx/>
+                <a:uFillTx/>
+                <a:latin typeface="Arial" panose="020B0604020202020204" pitchFamily="34" charset="0"/>
+                <a:cs typeface="Arial" panose="020B0604020202020204" pitchFamily="34" charset="0"/>
+                <a:sym typeface="Roboto"/>
+              </a:rPr>
+              <a:t>Fourth level</a:t>
+            </a:r>
+          </a:p>
+          <a:p>
+            <a:pPr marL="2057400" marR="0" lvl="4" indent="-228600" algn="l" defTabSz="914400" rtl="0" eaLnBrk="1" fontAlgn="auto" latinLnBrk="0" hangingPunct="1">
+              <a:lnSpc>
+                <a:spcPct val="90000"/>
+              </a:lnSpc>
+              <a:spcBef>
+                <a:spcPts val="500"/>
+              </a:spcBef>
+              <a:spcAft>
+                <a:spcPts val="0"/>
+              </a:spcAft>
+              <a:buClrTx/>
+              <a:buSzTx/>
+              <a:buFont typeface="Arial" panose="020B0604020202020204" pitchFamily="34" charset="0"/>
+              <a:buChar char="•"/>
+              <a:tabLst/>
+              <a:defRPr/>
+            </a:pPr>
+            <a:r>
+              <a:rPr kumimoji="0" lang="en-GB" sz="1600" b="0" i="0" u="none" strike="noStrike" kern="1200" cap="none" spc="0" normalizeH="0" baseline="0" noProof="0" dirty="0" smtClean="0">
+                <a:ln>
+                  <a:noFill/>
+                </a:ln>
+                <a:solidFill>
+                  <a:prstClr val="black"/>
+                </a:solidFill>
+                <a:effectLst/>
+                <a:uLnTx/>
+                <a:uFillTx/>
+                <a:latin typeface="Arial" panose="020B0604020202020204" pitchFamily="34" charset="0"/>
+                <a:cs typeface="Arial" panose="020B0604020202020204" pitchFamily="34" charset="0"/>
+                <a:sym typeface="Roboto"/>
+              </a:rPr>
+              <a:t>Fifth level</a:t>
             </a:r>
           </a:p>
         </p:txBody>
@@ -4471,42 +5217,92 @@
         <p:txBody>
           <a:bodyPr lIns="91425" tIns="91425" rIns="91425" bIns="91425" anchor="t" anchorCtr="0"/>
           <a:lstStyle>
-            <a:lvl1pPr lvl="0">
-              <a:spcBef>
-                <a:spcPts val="0"/>
-              </a:spcBef>
-              <a:buSzPct val="100000"/>
+            <a:lvl1pPr marL="0" marR="0" lvl="0" indent="0" algn="l" defTabSz="914400" rtl="0" eaLnBrk="1" fontAlgn="auto" latinLnBrk="0" hangingPunct="1">
+              <a:lnSpc>
+                <a:spcPct val="90000"/>
+              </a:lnSpc>
+              <a:spcBef>
+                <a:spcPts val="1000"/>
+              </a:spcBef>
+              <a:spcAft>
+                <a:spcPts val="0"/>
+              </a:spcAft>
+              <a:buClrTx/>
+              <a:buSzTx/>
+              <a:buFont typeface="Arial" panose="020B0604020202020204" pitchFamily="34" charset="0"/>
+              <a:buNone/>
+              <a:tabLst/>
               <a:defRPr sz="2000">
                 <a:latin typeface="Arial" panose="020B0604020202020204" pitchFamily="34" charset="0"/>
                 <a:cs typeface="Arial" panose="020B0604020202020204" pitchFamily="34" charset="0"/>
               </a:defRPr>
             </a:lvl1pPr>
-            <a:lvl2pPr lvl="1">
-              <a:spcBef>
-                <a:spcPts val="0"/>
-              </a:spcBef>
-              <a:buSzPct val="100000"/>
+            <a:lvl2pPr marL="685800" marR="0" lvl="1" indent="-228600" algn="l" defTabSz="914400" rtl="0" eaLnBrk="1" fontAlgn="auto" latinLnBrk="0" hangingPunct="1">
+              <a:lnSpc>
+                <a:spcPct val="90000"/>
+              </a:lnSpc>
+              <a:spcBef>
+                <a:spcPts val="500"/>
+              </a:spcBef>
+              <a:spcAft>
+                <a:spcPts val="0"/>
+              </a:spcAft>
+              <a:buClrTx/>
+              <a:buSzTx/>
+              <a:buFont typeface="Arial" panose="020B0604020202020204" pitchFamily="34" charset="0"/>
+              <a:buChar char="•"/>
+              <a:tabLst/>
               <a:defRPr sz="1600"/>
             </a:lvl2pPr>
-            <a:lvl3pPr lvl="2">
-              <a:spcBef>
-                <a:spcPts val="0"/>
-              </a:spcBef>
-              <a:buSzPct val="100000"/>
+            <a:lvl3pPr marL="1143000" marR="0" lvl="2" indent="-228600" algn="l" defTabSz="914400" rtl="0" eaLnBrk="1" fontAlgn="auto" latinLnBrk="0" hangingPunct="1">
+              <a:lnSpc>
+                <a:spcPct val="90000"/>
+              </a:lnSpc>
+              <a:spcBef>
+                <a:spcPts val="500"/>
+              </a:spcBef>
+              <a:spcAft>
+                <a:spcPts val="0"/>
+              </a:spcAft>
+              <a:buClrTx/>
+              <a:buSzTx/>
+              <a:buFont typeface="Arial" panose="020B0604020202020204" pitchFamily="34" charset="0"/>
+              <a:buChar char="•"/>
+              <a:tabLst/>
               <a:defRPr sz="1600"/>
             </a:lvl3pPr>
-            <a:lvl4pPr lvl="3">
-              <a:spcBef>
-                <a:spcPts val="0"/>
-              </a:spcBef>
-              <a:buSzPct val="100000"/>
+            <a:lvl4pPr marL="1600200" marR="0" lvl="3" indent="-228600" algn="l" defTabSz="914400" rtl="0" eaLnBrk="1" fontAlgn="auto" latinLnBrk="0" hangingPunct="1">
+              <a:lnSpc>
+                <a:spcPct val="90000"/>
+              </a:lnSpc>
+              <a:spcBef>
+                <a:spcPts val="500"/>
+              </a:spcBef>
+              <a:spcAft>
+                <a:spcPts val="0"/>
+              </a:spcAft>
+              <a:buClrTx/>
+              <a:buSzTx/>
+              <a:buFont typeface="Arial" panose="020B0604020202020204" pitchFamily="34" charset="0"/>
+              <a:buChar char="•"/>
+              <a:tabLst/>
               <a:defRPr sz="1600"/>
             </a:lvl4pPr>
-            <a:lvl5pPr lvl="4">
-              <a:spcBef>
-                <a:spcPts val="0"/>
-              </a:spcBef>
-              <a:buSzPct val="100000"/>
+            <a:lvl5pPr marL="2057400" marR="0" lvl="4" indent="-228600" algn="l" defTabSz="914400" rtl="0" eaLnBrk="1" fontAlgn="auto" latinLnBrk="0" hangingPunct="1">
+              <a:lnSpc>
+                <a:spcPct val="90000"/>
+              </a:lnSpc>
+              <a:spcBef>
+                <a:spcPts val="500"/>
+              </a:spcBef>
+              <a:spcAft>
+                <a:spcPts val="0"/>
+              </a:spcAft>
+              <a:buClrTx/>
+              <a:buSzTx/>
+              <a:buFont typeface="Arial" panose="020B0604020202020204" pitchFamily="34" charset="0"/>
+              <a:buChar char="•"/>
+              <a:tabLst/>
               <a:defRPr sz="1600"/>
             </a:lvl5pPr>
             <a:lvl6pPr lvl="5">
@@ -4539,10 +5335,183 @@
             </a:lvl9pPr>
           </a:lstStyle>
           <a:p>
-            <a:pPr lvl="0"/>
-            <a:r>
-              <a:rPr lang="en-US" smtClean="0"/>
+            <a:pPr marL="0" marR="0" lvl="0" indent="0" algn="l" defTabSz="914400" rtl="0" eaLnBrk="1" fontAlgn="auto" latinLnBrk="0" hangingPunct="1">
+              <a:lnSpc>
+                <a:spcPct val="90000"/>
+              </a:lnSpc>
+              <a:spcBef>
+                <a:spcPts val="1000"/>
+              </a:spcBef>
+              <a:spcAft>
+                <a:spcPts val="0"/>
+              </a:spcAft>
+              <a:buClrTx/>
+              <a:buSzTx/>
+              <a:buFont typeface="Arial" panose="020B0604020202020204" pitchFamily="34" charset="0"/>
+              <a:buNone/>
+              <a:tabLst/>
+              <a:defRPr/>
+            </a:pPr>
+            <a:r>
+              <a:rPr kumimoji="0" lang="en-GB" sz="2400" b="0" i="0" u="none" strike="noStrike" kern="1200" cap="none" spc="0" normalizeH="0" baseline="0" noProof="0" dirty="0" smtClean="0">
+                <a:ln>
+                  <a:noFill/>
+                </a:ln>
+                <a:solidFill>
+                  <a:prstClr val="black"/>
+                </a:solidFill>
+                <a:effectLst/>
+                <a:uLnTx/>
+                <a:uFillTx/>
+                <a:latin typeface="Arial" panose="020B0604020202020204" pitchFamily="34" charset="0"/>
+                <a:cs typeface="Arial" panose="020B0604020202020204" pitchFamily="34" charset="0"/>
+                <a:sym typeface="Roboto"/>
+              </a:rPr>
               <a:t>Edit Master text styles</a:t>
+            </a:r>
+          </a:p>
+          <a:p>
+            <a:pPr marL="685800" marR="0" lvl="1" indent="-228600" algn="l" defTabSz="914400" rtl="0" eaLnBrk="1" fontAlgn="auto" latinLnBrk="0" hangingPunct="1">
+              <a:lnSpc>
+                <a:spcPct val="90000"/>
+              </a:lnSpc>
+              <a:spcBef>
+                <a:spcPts val="500"/>
+              </a:spcBef>
+              <a:spcAft>
+                <a:spcPts val="0"/>
+              </a:spcAft>
+              <a:buClrTx/>
+              <a:buSzTx/>
+              <a:buFont typeface="Arial" panose="020B0604020202020204" pitchFamily="34" charset="0"/>
+              <a:buChar char="•"/>
+              <a:tabLst/>
+              <a:defRPr/>
+            </a:pPr>
+            <a:r>
+              <a:rPr kumimoji="0" lang="en-GB" sz="2000" b="0" i="0" u="none" strike="noStrike" kern="1200" cap="none" spc="0" normalizeH="0" baseline="0" noProof="0" dirty="0" smtClean="0">
+                <a:ln>
+                  <a:noFill/>
+                </a:ln>
+                <a:solidFill>
+                  <a:prstClr val="black"/>
+                </a:solidFill>
+                <a:effectLst/>
+                <a:uLnTx/>
+                <a:uFillTx/>
+                <a:latin typeface="Arial" panose="020B0604020202020204" pitchFamily="34" charset="0"/>
+                <a:cs typeface="Arial" panose="020B0604020202020204" pitchFamily="34" charset="0"/>
+                <a:sym typeface="Roboto"/>
+              </a:rPr>
+              <a:t>Second level</a:t>
+            </a:r>
+          </a:p>
+          <a:p>
+            <a:pPr marL="1143000" marR="0" lvl="2" indent="-228600" algn="l" defTabSz="914400" rtl="0" eaLnBrk="1" fontAlgn="auto" latinLnBrk="0" hangingPunct="1">
+              <a:lnSpc>
+                <a:spcPct val="90000"/>
+              </a:lnSpc>
+              <a:spcBef>
+                <a:spcPts val="500"/>
+              </a:spcBef>
+              <a:spcAft>
+                <a:spcPts val="0"/>
+              </a:spcAft>
+              <a:buClrTx/>
+              <a:buSzTx/>
+              <a:buFont typeface="Arial" panose="020B0604020202020204" pitchFamily="34" charset="0"/>
+              <a:buChar char="•"/>
+              <a:tabLst/>
+              <a:defRPr/>
+            </a:pPr>
+            <a:r>
+              <a:rPr kumimoji="0" lang="en-GB" sz="1800" b="0" i="0" u="none" strike="noStrike" kern="1200" cap="none" spc="0" normalizeH="0" baseline="0" noProof="0" dirty="0" smtClean="0">
+                <a:ln>
+                  <a:noFill/>
+                </a:ln>
+                <a:solidFill>
+                  <a:prstClr val="black"/>
+                </a:solidFill>
+                <a:effectLst/>
+                <a:uLnTx/>
+                <a:uFillTx/>
+                <a:latin typeface="Arial" panose="020B0604020202020204" pitchFamily="34" charset="0"/>
+                <a:cs typeface="Arial" panose="020B0604020202020204" pitchFamily="34" charset="0"/>
+                <a:sym typeface="Roboto"/>
+              </a:rPr>
+              <a:t>Third level</a:t>
+            </a:r>
+          </a:p>
+          <a:p>
+            <a:pPr marL="1600200" marR="0" lvl="3" indent="-228600" algn="l" defTabSz="914400" rtl="0" eaLnBrk="1" fontAlgn="auto" latinLnBrk="0" hangingPunct="1">
+              <a:lnSpc>
+                <a:spcPct val="90000"/>
+              </a:lnSpc>
+              <a:spcBef>
+                <a:spcPts val="500"/>
+              </a:spcBef>
+              <a:spcAft>
+                <a:spcPts val="0"/>
+              </a:spcAft>
+              <a:buClrTx/>
+              <a:buSzTx/>
+              <a:buFont typeface="Arial" panose="020B0604020202020204" pitchFamily="34" charset="0"/>
+              <a:buChar char="•"/>
+              <a:tabLst/>
+              <a:defRPr/>
+            </a:pPr>
+            <a:r>
+              <a:rPr kumimoji="0" lang="en-GB" sz="1600" b="0" i="0" u="none" strike="noStrike" kern="1200" cap="none" spc="0" normalizeH="0" baseline="0" noProof="0" dirty="0" smtClean="0">
+                <a:ln>
+                  <a:noFill/>
+                </a:ln>
+                <a:solidFill>
+                  <a:prstClr val="black"/>
+                </a:solidFill>
+                <a:effectLst/>
+                <a:uLnTx/>
+                <a:uFillTx/>
+                <a:latin typeface="Arial" panose="020B0604020202020204" pitchFamily="34" charset="0"/>
+                <a:cs typeface="Arial" panose="020B0604020202020204" pitchFamily="34" charset="0"/>
+                <a:sym typeface="Roboto"/>
+              </a:rPr>
+              <a:t>Fourth level</a:t>
+            </a:r>
+          </a:p>
+          <a:p>
+            <a:pPr marL="2057400" marR="0" lvl="4" indent="-228600" algn="l" defTabSz="914400" rtl="0" eaLnBrk="1" fontAlgn="auto" latinLnBrk="0" hangingPunct="1">
+              <a:lnSpc>
+                <a:spcPct val="90000"/>
+              </a:lnSpc>
+              <a:spcBef>
+                <a:spcPts val="500"/>
+              </a:spcBef>
+              <a:spcAft>
+                <a:spcPts val="0"/>
+              </a:spcAft>
+              <a:buClrTx/>
+              <a:buSzTx/>
+              <a:buFont typeface="Arial" panose="020B0604020202020204" pitchFamily="34" charset="0"/>
+              <a:buChar char="•"/>
+              <a:tabLst/>
+              <a:defRPr/>
+            </a:pPr>
+            <a:r>
+              <a:rPr kumimoji="0" lang="en-GB" sz="1600" b="0" i="0" u="none" strike="noStrike" kern="1200" cap="none" spc="0" normalizeH="0" baseline="0" noProof="0" dirty="0" smtClean="0">
+                <a:ln>
+                  <a:noFill/>
+                </a:ln>
+                <a:solidFill>
+                  <a:prstClr val="black"/>
+                </a:solidFill>
+                <a:effectLst/>
+                <a:uLnTx/>
+                <a:uFillTx/>
+                <a:latin typeface="Arial" panose="020B0604020202020204" pitchFamily="34" charset="0"/>
+                <a:cs typeface="Arial" panose="020B0604020202020204" pitchFamily="34" charset="0"/>
+                <a:sym typeface="Roboto"/>
+              </a:rPr>
+              <a:t>Fifth level</a:t>
             </a:r>
           </a:p>
         </p:txBody>
@@ -4832,42 +5801,92 @@
         <p:txBody>
           <a:bodyPr lIns="91425" tIns="91425" rIns="91425" bIns="91425" anchor="t" anchorCtr="0"/>
           <a:lstStyle>
-            <a:lvl1pPr lvl="0">
-              <a:spcBef>
-                <a:spcPts val="0"/>
-              </a:spcBef>
-              <a:buSzPct val="100000"/>
+            <a:lvl1pPr marL="0" marR="0" lvl="0" indent="0" algn="l" defTabSz="914400" rtl="0" eaLnBrk="1" fontAlgn="auto" latinLnBrk="0" hangingPunct="1">
+              <a:lnSpc>
+                <a:spcPct val="90000"/>
+              </a:lnSpc>
+              <a:spcBef>
+                <a:spcPts val="1000"/>
+              </a:spcBef>
+              <a:spcAft>
+                <a:spcPts val="0"/>
+              </a:spcAft>
+              <a:buClrTx/>
+              <a:buSzTx/>
+              <a:buFont typeface="Arial" panose="020B0604020202020204" pitchFamily="34" charset="0"/>
+              <a:buNone/>
+              <a:tabLst/>
               <a:defRPr sz="2000">
                 <a:latin typeface="Arial" panose="020B0604020202020204" pitchFamily="34" charset="0"/>
                 <a:cs typeface="Arial" panose="020B0604020202020204" pitchFamily="34" charset="0"/>
               </a:defRPr>
             </a:lvl1pPr>
-            <a:lvl2pPr lvl="1">
-              <a:spcBef>
-                <a:spcPts val="0"/>
-              </a:spcBef>
-              <a:buSzPct val="100000"/>
+            <a:lvl2pPr marL="685800" marR="0" lvl="1" indent="-228600" algn="l" defTabSz="914400" rtl="0" eaLnBrk="1" fontAlgn="auto" latinLnBrk="0" hangingPunct="1">
+              <a:lnSpc>
+                <a:spcPct val="90000"/>
+              </a:lnSpc>
+              <a:spcBef>
+                <a:spcPts val="500"/>
+              </a:spcBef>
+              <a:spcAft>
+                <a:spcPts val="0"/>
+              </a:spcAft>
+              <a:buClrTx/>
+              <a:buSzTx/>
+              <a:buFont typeface="Arial" panose="020B0604020202020204" pitchFamily="34" charset="0"/>
+              <a:buChar char="•"/>
+              <a:tabLst/>
               <a:defRPr sz="1600"/>
             </a:lvl2pPr>
-            <a:lvl3pPr lvl="2">
-              <a:spcBef>
-                <a:spcPts val="0"/>
-              </a:spcBef>
-              <a:buSzPct val="100000"/>
+            <a:lvl3pPr marL="1143000" marR="0" lvl="2" indent="-228600" algn="l" defTabSz="914400" rtl="0" eaLnBrk="1" fontAlgn="auto" latinLnBrk="0" hangingPunct="1">
+              <a:lnSpc>
+                <a:spcPct val="90000"/>
+              </a:lnSpc>
+              <a:spcBef>
+                <a:spcPts val="500"/>
+              </a:spcBef>
+              <a:spcAft>
+                <a:spcPts val="0"/>
+              </a:spcAft>
+              <a:buClrTx/>
+              <a:buSzTx/>
+              <a:buFont typeface="Arial" panose="020B0604020202020204" pitchFamily="34" charset="0"/>
+              <a:buChar char="•"/>
+              <a:tabLst/>
               <a:defRPr sz="1600"/>
             </a:lvl3pPr>
-            <a:lvl4pPr lvl="3">
-              <a:spcBef>
-                <a:spcPts val="0"/>
-              </a:spcBef>
-              <a:buSzPct val="100000"/>
+            <a:lvl4pPr marL="1600200" marR="0" lvl="3" indent="-228600" algn="l" defTabSz="914400" rtl="0" eaLnBrk="1" fontAlgn="auto" latinLnBrk="0" hangingPunct="1">
+              <a:lnSpc>
+                <a:spcPct val="90000"/>
+              </a:lnSpc>
+              <a:spcBef>
+                <a:spcPts val="500"/>
+              </a:spcBef>
+              <a:spcAft>
+                <a:spcPts val="0"/>
+              </a:spcAft>
+              <a:buClrTx/>
+              <a:buSzTx/>
+              <a:buFont typeface="Arial" panose="020B0604020202020204" pitchFamily="34" charset="0"/>
+              <a:buChar char="•"/>
+              <a:tabLst/>
               <a:defRPr sz="1600"/>
             </a:lvl4pPr>
-            <a:lvl5pPr lvl="4">
-              <a:spcBef>
-                <a:spcPts val="0"/>
-              </a:spcBef>
-              <a:buSzPct val="100000"/>
+            <a:lvl5pPr marL="2057400" marR="0" lvl="4" indent="-228600" algn="l" defTabSz="914400" rtl="0" eaLnBrk="1" fontAlgn="auto" latinLnBrk="0" hangingPunct="1">
+              <a:lnSpc>
+                <a:spcPct val="90000"/>
+              </a:lnSpc>
+              <a:spcBef>
+                <a:spcPts val="500"/>
+              </a:spcBef>
+              <a:spcAft>
+                <a:spcPts val="0"/>
+              </a:spcAft>
+              <a:buClrTx/>
+              <a:buSzTx/>
+              <a:buFont typeface="Arial" panose="020B0604020202020204" pitchFamily="34" charset="0"/>
+              <a:buChar char="•"/>
+              <a:tabLst/>
               <a:defRPr sz="1600"/>
             </a:lvl5pPr>
             <a:lvl6pPr lvl="5">
@@ -4900,10 +5919,183 @@
             </a:lvl9pPr>
           </a:lstStyle>
           <a:p>
-            <a:pPr lvl="0"/>
-            <a:r>
-              <a:rPr lang="en-US" smtClean="0"/>
+            <a:pPr marL="0" marR="0" lvl="0" indent="0" algn="l" defTabSz="914400" rtl="0" eaLnBrk="1" fontAlgn="auto" latinLnBrk="0" hangingPunct="1">
+              <a:lnSpc>
+                <a:spcPct val="90000"/>
+              </a:lnSpc>
+              <a:spcBef>
+                <a:spcPts val="1000"/>
+              </a:spcBef>
+              <a:spcAft>
+                <a:spcPts val="0"/>
+              </a:spcAft>
+              <a:buClrTx/>
+              <a:buSzTx/>
+              <a:buFont typeface="Arial" panose="020B0604020202020204" pitchFamily="34" charset="0"/>
+              <a:buNone/>
+              <a:tabLst/>
+              <a:defRPr/>
+            </a:pPr>
+            <a:r>
+              <a:rPr kumimoji="0" lang="en-GB" sz="2400" b="0" i="0" u="none" strike="noStrike" kern="1200" cap="none" spc="0" normalizeH="0" baseline="0" noProof="0" dirty="0" smtClean="0">
+                <a:ln>
+                  <a:noFill/>
+                </a:ln>
+                <a:solidFill>
+                  <a:prstClr val="black"/>
+                </a:solidFill>
+                <a:effectLst/>
+                <a:uLnTx/>
+                <a:uFillTx/>
+                <a:latin typeface="Arial" panose="020B0604020202020204" pitchFamily="34" charset="0"/>
+                <a:cs typeface="Arial" panose="020B0604020202020204" pitchFamily="34" charset="0"/>
+                <a:sym typeface="Roboto"/>
+              </a:rPr>
               <a:t>Edit Master text styles</a:t>
+            </a:r>
+          </a:p>
+          <a:p>
+            <a:pPr marL="685800" marR="0" lvl="1" indent="-228600" algn="l" defTabSz="914400" rtl="0" eaLnBrk="1" fontAlgn="auto" latinLnBrk="0" hangingPunct="1">
+              <a:lnSpc>
+                <a:spcPct val="90000"/>
+              </a:lnSpc>
+              <a:spcBef>
+                <a:spcPts val="500"/>
+              </a:spcBef>
+              <a:spcAft>
+                <a:spcPts val="0"/>
+              </a:spcAft>
+              <a:buClrTx/>
+              <a:buSzTx/>
+              <a:buFont typeface="Arial" panose="020B0604020202020204" pitchFamily="34" charset="0"/>
+              <a:buChar char="•"/>
+              <a:tabLst/>
+              <a:defRPr/>
+            </a:pPr>
+            <a:r>
+              <a:rPr kumimoji="0" lang="en-GB" sz="2000" b="0" i="0" u="none" strike="noStrike" kern="1200" cap="none" spc="0" normalizeH="0" baseline="0" noProof="0" dirty="0" smtClean="0">
+                <a:ln>
+                  <a:noFill/>
+                </a:ln>
+                <a:solidFill>
+                  <a:prstClr val="black"/>
+                </a:solidFill>
+                <a:effectLst/>
+                <a:uLnTx/>
+                <a:uFillTx/>
+                <a:latin typeface="Arial" panose="020B0604020202020204" pitchFamily="34" charset="0"/>
+                <a:cs typeface="Arial" panose="020B0604020202020204" pitchFamily="34" charset="0"/>
+                <a:sym typeface="Roboto"/>
+              </a:rPr>
+              <a:t>Second level</a:t>
+            </a:r>
+          </a:p>
+          <a:p>
+            <a:pPr marL="1143000" marR="0" lvl="2" indent="-228600" algn="l" defTabSz="914400" rtl="0" eaLnBrk="1" fontAlgn="auto" latinLnBrk="0" hangingPunct="1">
+              <a:lnSpc>
+                <a:spcPct val="90000"/>
+              </a:lnSpc>
+              <a:spcBef>
+                <a:spcPts val="500"/>
+              </a:spcBef>
+              <a:spcAft>
+                <a:spcPts val="0"/>
+              </a:spcAft>
+              <a:buClrTx/>
+              <a:buSzTx/>
+              <a:buFont typeface="Arial" panose="020B0604020202020204" pitchFamily="34" charset="0"/>
+              <a:buChar char="•"/>
+              <a:tabLst/>
+              <a:defRPr/>
+            </a:pPr>
+            <a:r>
+              <a:rPr kumimoji="0" lang="en-GB" sz="1800" b="0" i="0" u="none" strike="noStrike" kern="1200" cap="none" spc="0" normalizeH="0" baseline="0" noProof="0" dirty="0" smtClean="0">
+                <a:ln>
+                  <a:noFill/>
+                </a:ln>
+                <a:solidFill>
+                  <a:prstClr val="black"/>
+                </a:solidFill>
+                <a:effectLst/>
+                <a:uLnTx/>
+                <a:uFillTx/>
+                <a:latin typeface="Arial" panose="020B0604020202020204" pitchFamily="34" charset="0"/>
+                <a:cs typeface="Arial" panose="020B0604020202020204" pitchFamily="34" charset="0"/>
+                <a:sym typeface="Roboto"/>
+              </a:rPr>
+              <a:t>Third level</a:t>
+            </a:r>
+          </a:p>
+          <a:p>
+            <a:pPr marL="1600200" marR="0" lvl="3" indent="-228600" algn="l" defTabSz="914400" rtl="0" eaLnBrk="1" fontAlgn="auto" latinLnBrk="0" hangingPunct="1">
+              <a:lnSpc>
+                <a:spcPct val="90000"/>
+              </a:lnSpc>
+              <a:spcBef>
+                <a:spcPts val="500"/>
+              </a:spcBef>
+              <a:spcAft>
+                <a:spcPts val="0"/>
+              </a:spcAft>
+              <a:buClrTx/>
+              <a:buSzTx/>
+              <a:buFont typeface="Arial" panose="020B0604020202020204" pitchFamily="34" charset="0"/>
+              <a:buChar char="•"/>
+              <a:tabLst/>
+              <a:defRPr/>
+            </a:pPr>
+            <a:r>
+              <a:rPr kumimoji="0" lang="en-GB" sz="1600" b="0" i="0" u="none" strike="noStrike" kern="1200" cap="none" spc="0" normalizeH="0" baseline="0" noProof="0" dirty="0" smtClean="0">
+                <a:ln>
+                  <a:noFill/>
+                </a:ln>
+                <a:solidFill>
+                  <a:prstClr val="black"/>
+                </a:solidFill>
+                <a:effectLst/>
+                <a:uLnTx/>
+                <a:uFillTx/>
+                <a:latin typeface="Arial" panose="020B0604020202020204" pitchFamily="34" charset="0"/>
+                <a:cs typeface="Arial" panose="020B0604020202020204" pitchFamily="34" charset="0"/>
+                <a:sym typeface="Roboto"/>
+              </a:rPr>
+              <a:t>Fourth level</a:t>
+            </a:r>
+          </a:p>
+          <a:p>
+            <a:pPr marL="2057400" marR="0" lvl="4" indent="-228600" algn="l" defTabSz="914400" rtl="0" eaLnBrk="1" fontAlgn="auto" latinLnBrk="0" hangingPunct="1">
+              <a:lnSpc>
+                <a:spcPct val="90000"/>
+              </a:lnSpc>
+              <a:spcBef>
+                <a:spcPts val="500"/>
+              </a:spcBef>
+              <a:spcAft>
+                <a:spcPts val="0"/>
+              </a:spcAft>
+              <a:buClrTx/>
+              <a:buSzTx/>
+              <a:buFont typeface="Arial" panose="020B0604020202020204" pitchFamily="34" charset="0"/>
+              <a:buChar char="•"/>
+              <a:tabLst/>
+              <a:defRPr/>
+            </a:pPr>
+            <a:r>
+              <a:rPr kumimoji="0" lang="en-GB" sz="1600" b="0" i="0" u="none" strike="noStrike" kern="1200" cap="none" spc="0" normalizeH="0" baseline="0" noProof="0" dirty="0" smtClean="0">
+                <a:ln>
+                  <a:noFill/>
+                </a:ln>
+                <a:solidFill>
+                  <a:prstClr val="black"/>
+                </a:solidFill>
+                <a:effectLst/>
+                <a:uLnTx/>
+                <a:uFillTx/>
+                <a:latin typeface="Arial" panose="020B0604020202020204" pitchFamily="34" charset="0"/>
+                <a:cs typeface="Arial" panose="020B0604020202020204" pitchFamily="34" charset="0"/>
+                <a:sym typeface="Roboto"/>
+              </a:rPr>
+              <a:t>Fifth level</a:t>
             </a:r>
           </a:p>
         </p:txBody>
@@ -8541,21 +9733,42 @@
               <a:buNone/>
             </a:pPr>
             <a:r>
-              <a:rPr/>
+              <a:rPr sz="2400" dirty="0">
+                <a:latin typeface="+mn-lt"/>
+              </a:rPr>
               <a:t>Lets pick a website</a:t>
             </a:r>
           </a:p>
           <a:p>
             <a:pPr lvl="1"/>
             <a:r>
-              <a:rPr/>
-              <a:t>What are goals users might have related to the site?</a:t>
-            </a:r>
+              <a:rPr sz="2400" dirty="0">
+                <a:latin typeface="+mn-lt"/>
+              </a:rPr>
+              <a:t>What are goals users might have related to the site</a:t>
+            </a:r>
+            <a:r>
+              <a:rPr sz="2400" dirty="0" smtClean="0">
+                <a:latin typeface="+mn-lt"/>
+              </a:rPr>
+              <a:t>?</a:t>
+            </a:r>
+            <a:r>
+              <a:rPr lang="en-GB" sz="2400" dirty="0" smtClean="0">
+                <a:latin typeface="+mn-lt"/>
+              </a:rPr>
+              <a:t> (Lets pick one)</a:t>
+            </a:r>
+            <a:endParaRPr sz="2400" dirty="0">
+              <a:latin typeface="+mn-lt"/>
+            </a:endParaRPr>
           </a:p>
           <a:p>
             <a:pPr lvl="1"/>
             <a:r>
-              <a:rPr/>
+              <a:rPr sz="2400" dirty="0">
+                <a:latin typeface="+mn-lt"/>
+              </a:rPr>
               <a:t>What are goals the site/company/org might have?</a:t>
             </a:r>
           </a:p>
@@ -8627,21 +9840,27 @@
               <a:buNone/>
             </a:pPr>
             <a:r>
-              <a:rPr/>
+              <a:rPr sz="2400" dirty="0">
+                <a:latin typeface="+mn-lt"/>
+              </a:rPr>
               <a:t>Each learner should take about 5-7 minutes browsing a site as a user, and then 5-7 minutes documenting their partner’s experience as the listener/note taker.</a:t>
             </a:r>
           </a:p>
           <a:p>
             <a:pPr lvl="1"/>
             <a:r>
-              <a:rPr/>
+              <a:rPr sz="2400" dirty="0">
+                <a:latin typeface="+mn-lt"/>
+              </a:rPr>
               <a:t>One person in the pair is the user trying to do a task, navigating around the site, and talking out loud/telling the story of what they are doing</a:t>
             </a:r>
           </a:p>
           <a:p>
             <a:pPr lvl="1"/>
             <a:r>
-              <a:rPr/>
+              <a:rPr sz="2400" dirty="0">
+                <a:latin typeface="+mn-lt"/>
+              </a:rPr>
               <a:t>The other member of the pair is listening to/documenting the user journey. The listener should notice and/or take notes about the user’s experience.</a:t>
             </a:r>
           </a:p>
@@ -8711,21 +9930,27 @@
           <a:p>
             <a:pPr lvl="1"/>
             <a:r>
-              <a:rPr/>
+              <a:rPr sz="2400" dirty="0">
+                <a:latin typeface="+mn-lt"/>
+              </a:rPr>
               <a:t>What did you discover from the user journey exercise?</a:t>
             </a:r>
           </a:p>
           <a:p>
             <a:pPr lvl="1"/>
             <a:r>
-              <a:rPr/>
+              <a:rPr sz="2400" dirty="0">
+                <a:latin typeface="+mn-lt"/>
+              </a:rPr>
               <a:t>What did you notice during the activity? What was new, unexpected?</a:t>
             </a:r>
           </a:p>
           <a:p>
             <a:pPr lvl="1"/>
             <a:r>
-              <a:rPr/>
+              <a:rPr sz="2400" dirty="0">
+                <a:latin typeface="+mn-lt"/>
+              </a:rPr>
               <a:t>Did you notice visual design or interaction design elements playing a role in your behavior?</a:t>
             </a:r>
           </a:p>
@@ -8933,15 +10158,16 @@
           <a:lstStyle/>
           <a:p>
             <a:r>
-              <a:rPr/>
+              <a:rPr lang="en-GB" smtClean="0"/>
               <a:t>Learning Objectives</a:t>
             </a:r>
+            <a:endParaRPr lang="en-GB"/>
           </a:p>
         </p:txBody>
       </p:sp>
       <p:sp>
         <p:nvSpPr>
-          <p:cNvPr id="3" name="Content Placeholder 2"/>
+          <p:cNvPr id="9" name="Content Placeholder 8"/>
           <p:cNvSpPr>
             <a:spLocks noGrp="1"/>
           </p:cNvSpPr>
@@ -8954,25 +10180,58 @@
           <a:bodyPr/>
           <a:lstStyle/>
           <a:p>
-            <a:pPr lvl="1"/>
-            <a:r>
-              <a:rPr/>
+            <a:pPr marL="342900" indent="-342900">
+              <a:buFont typeface="Arial" panose="020B0604020202020204" pitchFamily="34" charset="0"/>
+              <a:buChar char="•"/>
+            </a:pPr>
+            <a:r>
+              <a:rPr lang="en-GB" sz="2400" dirty="0">
+                <a:latin typeface="+mj-lt"/>
+              </a:rPr>
               <a:t>Explain how visual design works on the web</a:t>
             </a:r>
           </a:p>
           <a:p>
-            <a:pPr lvl="1"/>
-            <a:r>
-              <a:rPr/>
-              <a:t>Identify how web design elements are used to encourage certain behavior</a:t>
-            </a:r>
-          </a:p>
-          <a:p>
-            <a:pPr lvl="1"/>
-            <a:r>
-              <a:rPr/>
+            <a:pPr marL="342900" indent="-342900">
+              <a:buFont typeface="Arial" panose="020B0604020202020204" pitchFamily="34" charset="0"/>
+              <a:buChar char="•"/>
+            </a:pPr>
+            <a:r>
+              <a:rPr lang="en-GB" sz="2400" dirty="0">
+                <a:latin typeface="+mj-lt"/>
+              </a:rPr>
+              <a:t>Identify how web design elements are used to encourage certain </a:t>
+            </a:r>
+            <a:r>
+              <a:rPr lang="en-GB" sz="2400" dirty="0" err="1">
+                <a:latin typeface="+mj-lt"/>
+              </a:rPr>
+              <a:t>behavior</a:t>
+            </a:r>
+            <a:endParaRPr lang="en-GB" sz="2400" dirty="0">
+              <a:latin typeface="+mj-lt"/>
+            </a:endParaRPr>
+          </a:p>
+          <a:p>
+            <a:pPr marL="342900" indent="-342900">
+              <a:buFont typeface="Arial" panose="020B0604020202020204" pitchFamily="34" charset="0"/>
+              <a:buChar char="•"/>
+            </a:pPr>
+            <a:r>
+              <a:rPr lang="en-GB" sz="2400" dirty="0">
+                <a:latin typeface="+mj-lt"/>
+              </a:rPr>
               <a:t>Critique and document reactions to a website</a:t>
             </a:r>
+          </a:p>
+          <a:p>
+            <a:pPr marL="342900" indent="-342900">
+              <a:buFont typeface="Arial" panose="020B0604020202020204" pitchFamily="34" charset="0"/>
+              <a:buChar char="•"/>
+            </a:pPr>
+            <a:endParaRPr lang="en-GB" sz="2400" dirty="0">
+              <a:latin typeface="+mj-lt"/>
+            </a:endParaRPr>
           </a:p>
         </p:txBody>
       </p:sp>
@@ -9040,28 +10299,36 @@
           <a:p>
             <a:pPr lvl="1"/>
             <a:r>
-              <a:rPr/>
+              <a:rPr sz="2400" dirty="0">
+                <a:latin typeface="+mj-lt"/>
+              </a:rPr>
               <a:t>The web is designed</a:t>
             </a:r>
           </a:p>
           <a:p>
             <a:pPr lvl="1"/>
             <a:r>
-              <a:rPr/>
+              <a:rPr sz="2400" dirty="0">
+                <a:latin typeface="+mj-lt"/>
+              </a:rPr>
               <a:t>What does it mean to design something?</a:t>
             </a:r>
           </a:p>
           <a:p>
             <a:pPr lvl="1"/>
             <a:r>
-              <a:rPr/>
+              <a:rPr sz="2400" dirty="0">
+                <a:latin typeface="+mj-lt"/>
+              </a:rPr>
               <a:t>How might 2 Buildings look or feel different?</a:t>
             </a:r>
           </a:p>
           <a:p>
             <a:pPr lvl="2"/>
             <a:r>
-              <a:rPr/>
+              <a:rPr sz="2400" dirty="0">
+                <a:latin typeface="+mj-lt"/>
+              </a:rPr>
               <a:t>What different actions does the architect want your buildings users to do?</a:t>
             </a:r>
           </a:p>
@@ -9108,15 +10375,16 @@
           <a:lstStyle/>
           <a:p>
             <a:r>
-              <a:rPr/>
+              <a:rPr lang="en-GB" smtClean="0"/>
               <a:t>Designers</a:t>
             </a:r>
+            <a:endParaRPr lang="en-GB"/>
           </a:p>
         </p:txBody>
       </p:sp>
       <p:sp>
         <p:nvSpPr>
-          <p:cNvPr id="3" name="Content Placeholder 2"/>
+          <p:cNvPr id="5" name="Content Placeholder 4"/>
           <p:cNvSpPr>
             <a:spLocks noGrp="1"/>
           </p:cNvSpPr>
@@ -9129,18 +10397,31 @@
           <a:bodyPr/>
           <a:lstStyle/>
           <a:p>
-            <a:pPr lvl="1"/>
-            <a:r>
-              <a:rPr/>
+            <a:pPr marL="342900" indent="-342900">
+              <a:buFont typeface="Arial" panose="020B0604020202020204" pitchFamily="34" charset="0"/>
+              <a:buChar char="•"/>
+            </a:pPr>
+            <a:r>
+              <a:rPr lang="en-GB" sz="2334" dirty="0">
+                <a:latin typeface="+mj-lt"/>
+              </a:rPr>
               <a:t>Designers make choices to create an outcome– in action or feeling for the user. All designers have plans and intentions.</a:t>
             </a:r>
           </a:p>
           <a:p>
-            <a:pPr lvl="1"/>
-            <a:r>
-              <a:rPr/>
+            <a:pPr marL="342900" indent="-342900">
+              <a:buFont typeface="Arial" panose="020B0604020202020204" pitchFamily="34" charset="0"/>
+              <a:buChar char="•"/>
+            </a:pPr>
+            <a:r>
+              <a:rPr lang="en-GB" sz="2334" dirty="0">
+                <a:latin typeface="+mj-lt"/>
+              </a:rPr>
               <a:t>As a user, you respond to design with feelings and actions (or not).</a:t>
             </a:r>
+            <a:endParaRPr lang="en-GB" sz="2334" dirty="0">
+              <a:latin typeface="+mj-lt"/>
+            </a:endParaRPr>
           </a:p>
         </p:txBody>
       </p:sp>
@@ -9185,20 +10466,21 @@
           <a:lstStyle/>
           <a:p>
             <a:r>
-              <a:rPr/>
+              <a:rPr lang="en-GB" smtClean="0"/>
               <a:t>Designers Intentions</a:t>
             </a:r>
+            <a:endParaRPr lang="en-GB"/>
           </a:p>
         </p:txBody>
       </p:sp>
       <p:sp>
         <p:nvSpPr>
-          <p:cNvPr id="3" name="Content Placeholder 2"/>
+          <p:cNvPr id="7" name="Content Placeholder 6"/>
           <p:cNvSpPr>
             <a:spLocks noGrp="1"/>
           </p:cNvSpPr>
           <p:nvPr>
-            <p:ph idx="1"/>
+            <p:ph type="body" idx="1"/>
           </p:nvPr>
         </p:nvSpPr>
         <p:spPr/>
@@ -9208,37 +10490,52 @@
           <a:p>
             <a:pPr lvl="1"/>
             <a:r>
-              <a:rPr/>
+              <a:rPr lang="en-GB" sz="2400" dirty="0" smtClean="0">
+                <a:latin typeface="+mn-lt"/>
+              </a:rPr>
               <a:t>What sites do you use most often?</a:t>
             </a:r>
           </a:p>
           <a:p>
             <a:pPr lvl="1"/>
             <a:r>
-              <a:rPr/>
+              <a:rPr lang="en-GB" sz="2400" dirty="0" smtClean="0">
+                <a:latin typeface="+mn-lt"/>
+              </a:rPr>
               <a:t>Think of a website :</a:t>
             </a:r>
           </a:p>
           <a:p>
             <a:pPr lvl="2"/>
             <a:r>
-              <a:rPr/>
+              <a:rPr lang="en-GB" sz="2000" dirty="0" smtClean="0">
+                <a:latin typeface="+mn-lt"/>
+              </a:rPr>
               <a:t>What is the goal of the site? What does the creator of the site intend for you to do?</a:t>
             </a:r>
           </a:p>
           <a:p>
             <a:pPr lvl="2"/>
             <a:r>
-              <a:rPr/>
+              <a:rPr lang="en-GB" sz="2000" dirty="0" smtClean="0">
+                <a:latin typeface="+mn-lt"/>
+              </a:rPr>
               <a:t>What are you doing there? What do you want to do?</a:t>
             </a:r>
           </a:p>
           <a:p>
             <a:pPr lvl="2"/>
             <a:r>
-              <a:rPr/>
+              <a:rPr lang="en-GB" sz="2000" dirty="0" smtClean="0">
+                <a:latin typeface="+mn-lt"/>
+              </a:rPr>
               <a:t>Is your aim different from what the site designer wants? If so, how?</a:t>
             </a:r>
+          </a:p>
+          <a:p>
+            <a:endParaRPr lang="en-GB" dirty="0">
+              <a:latin typeface="+mn-lt"/>
+            </a:endParaRPr>
           </a:p>
         </p:txBody>
       </p:sp>
@@ -9308,7 +10605,9 @@
               <a:buNone/>
             </a:pPr>
             <a:r>
-              <a:rPr/>
+              <a:rPr sz="2400" dirty="0">
+                <a:latin typeface="+mn-lt"/>
+              </a:rPr>
               <a:t>For many web users (with exception of visually impaired users, those using screen readers) websites have a strong visual component.</a:t>
             </a:r>
           </a:p>
@@ -9317,7 +10616,9 @@
               <a:buNone/>
             </a:pPr>
             <a:r>
-              <a:rPr/>
+              <a:rPr sz="2400" dirty="0">
+                <a:latin typeface="+mn-lt"/>
+              </a:rPr>
               <a:t>What are some elements of visual design?</a:t>
             </a:r>
           </a:p>
@@ -9379,7 +10680,7 @@
           <p:nvPr/>
         </p:nvPicPr>
         <p:blipFill>
-          <a:blip r:embed="rId2"/>
+          <a:blip r:embed="rId3"/>
           <a:stretch>
             <a:fillRect/>
           </a:stretch>
@@ -9394,7 +10695,9 @@
           </a:prstGeom>
           <a:noFill/>
           <a:ln w="9525">
-            <a:noFill/>
+            <a:solidFill>
+              <a:schemeClr val="tx1"/>
+            </a:solidFill>
             <a:headEnd/>
             <a:tailEnd/>
           </a:ln>
